--- a/Lectures/Lecture 13.pptx
+++ b/Lectures/Lecture 13.pptx
@@ -4003,8 +4003,8 @@
           </a:p>
         </p:txBody>
       </p:sp>
-      <mc:AlternateContent xmlns:mc="http://schemas.openxmlformats.org/markup-compatibility/2006">
-        <mc:Choice xmlns:a14="http://schemas.microsoft.com/office/drawing/2010/main" Requires="a14">
+      <mc:AlternateContent xmlns:mc="http://schemas.openxmlformats.org/markup-compatibility/2006" xmlns:a14="http://schemas.microsoft.com/office/drawing/2010/main">
+        <mc:Choice Requires="a14">
           <p:sp>
             <p:nvSpPr>
               <p:cNvPr id="3" name="Content Placeholder 2">
@@ -4394,7 +4394,7 @@
             </p:txBody>
           </p:sp>
         </mc:Choice>
-        <mc:Fallback>
+        <mc:Fallback xmlns="">
           <p:sp>
             <p:nvSpPr>
               <p:cNvPr id="3" name="Content Placeholder 2">
@@ -4505,8 +4505,8 @@
           </a:p>
         </p:txBody>
       </p:sp>
-      <mc:AlternateContent xmlns:mc="http://schemas.openxmlformats.org/markup-compatibility/2006">
-        <mc:Choice xmlns:a14="http://schemas.microsoft.com/office/drawing/2010/main" Requires="a14">
+      <mc:AlternateContent xmlns:mc="http://schemas.openxmlformats.org/markup-compatibility/2006" xmlns:a14="http://schemas.microsoft.com/office/drawing/2010/main">
+        <mc:Choice Requires="a14">
           <p:sp>
             <p:nvSpPr>
               <p:cNvPr id="3" name="Content Placeholder 2">
@@ -5400,7 +5400,7 @@
             </p:txBody>
           </p:sp>
         </mc:Choice>
-        <mc:Fallback>
+        <mc:Fallback xmlns="">
           <p:sp>
             <p:nvSpPr>
               <p:cNvPr id="3" name="Content Placeholder 2">
@@ -5506,8 +5506,8 @@
           </a:p>
         </p:txBody>
       </p:sp>
-      <mc:AlternateContent xmlns:mc="http://schemas.openxmlformats.org/markup-compatibility/2006">
-        <mc:Choice xmlns:a14="http://schemas.microsoft.com/office/drawing/2010/main" Requires="a14">
+      <mc:AlternateContent xmlns:mc="http://schemas.openxmlformats.org/markup-compatibility/2006" xmlns:a14="http://schemas.microsoft.com/office/drawing/2010/main">
+        <mc:Choice Requires="a14">
           <p:sp>
             <p:nvSpPr>
               <p:cNvPr id="3" name="Content Placeholder 2">
@@ -5868,7 +5868,7 @@
             </p:txBody>
           </p:sp>
         </mc:Choice>
-        <mc:Fallback>
+        <mc:Fallback xmlns="">
           <p:sp>
             <p:nvSpPr>
               <p:cNvPr id="3" name="Content Placeholder 2">
@@ -5974,8 +5974,8 @@
           </a:p>
         </p:txBody>
       </p:sp>
-      <mc:AlternateContent xmlns:mc="http://schemas.openxmlformats.org/markup-compatibility/2006">
-        <mc:Choice xmlns:a14="http://schemas.microsoft.com/office/drawing/2010/main" Requires="a14">
+      <mc:AlternateContent xmlns:mc="http://schemas.openxmlformats.org/markup-compatibility/2006" xmlns:a14="http://schemas.microsoft.com/office/drawing/2010/main">
+        <mc:Choice Requires="a14">
           <p:sp>
             <p:nvSpPr>
               <p:cNvPr id="3" name="Content Placeholder 2">
@@ -6503,7 +6503,7 @@
             </p:txBody>
           </p:sp>
         </mc:Choice>
-        <mc:Fallback>
+        <mc:Fallback xmlns="">
           <p:sp>
             <p:nvSpPr>
               <p:cNvPr id="3" name="Content Placeholder 2">
@@ -6669,23 +6669,7 @@
                       <a:schemeClr val="accent1"/>
                     </a:solidFill>
                   </a:rPr>
-                  <a:t>By code inspection [</a:t>
-                </a:r>
-                <a:r>
-                  <a:rPr lang="en-US" b="1" i="1" dirty="0">
-                    <a:solidFill>
-                      <a:srgbClr val="FF0000"/>
-                    </a:solidFill>
-                  </a:rPr>
-                  <a:t>line 5</a:t>
-                </a:r>
-                <a:r>
-                  <a:rPr lang="en-US" dirty="0">
-                    <a:solidFill>
-                      <a:schemeClr val="accent1"/>
-                    </a:solidFill>
-                  </a:rPr>
-                  <a:t>:both end points are included], we have that</a:t>
+                  <a:t>By code inspection, </a:t>
                 </a:r>
               </a:p>
               <a:p>
@@ -6761,6 +6745,15 @@
                         </m:r>
                       </m:e>
                     </m:d>
+                    <m:r>
+                      <a:rPr lang="en-US" b="0" i="0" smtClean="0">
+                        <a:solidFill>
+                          <a:schemeClr val="tx1"/>
+                        </a:solidFill>
+                        <a:latin typeface="Cambria Math" panose="02040503050406030204" pitchFamily="18" charset="0"/>
+                      </a:rPr>
+                      <m:t>   </m:t>
+                    </m:r>
                   </m:oMath>
                 </a14:m>
                 <a:r>
@@ -6769,7 +6762,7 @@
                       <a:schemeClr val="accent1"/>
                     </a:solidFill>
                   </a:rPr>
-                  <a:t>						 </a:t>
+                  <a:t>		[</a:t>
                 </a:r>
                 <a:r>
                   <a:rPr lang="en-US" b="1" i="1" dirty="0">
@@ -6777,7 +6770,31 @@
                       <a:srgbClr val="FF0000"/>
                     </a:solidFill>
                   </a:rPr>
-                  <a:t>---(Eq.2)</a:t>
+                  <a:t>line 5</a:t>
+                </a:r>
+                <a:r>
+                  <a:rPr lang="en-US" dirty="0">
+                    <a:solidFill>
+                      <a:schemeClr val="accent1"/>
+                    </a:solidFill>
+                  </a:rPr>
+                  <a:t>] 		</a:t>
+                </a:r>
+                <a:r>
+                  <a:rPr lang="en-US" b="1" dirty="0">
+                    <a:solidFill>
+                      <a:srgbClr val="FF0000"/>
+                    </a:solidFill>
+                  </a:rPr>
+                  <a:t>-</a:t>
+                </a:r>
+                <a:r>
+                  <a:rPr lang="en-US" b="1" i="1" dirty="0">
+                    <a:solidFill>
+                      <a:srgbClr val="FF0000"/>
+                    </a:solidFill>
+                  </a:rPr>
+                  <a:t>--(Eq.2)</a:t>
                 </a:r>
               </a:p>
               <a:p>
@@ -7109,7 +7126,7 @@
                       <a:schemeClr val="accent1"/>
                     </a:solidFill>
                   </a:rPr>
-                  <a:t>. [</a:t>
+                  <a:t>. 				[</a:t>
                 </a:r>
                 <a:r>
                   <a:rPr lang="en-US" b="1" i="1" dirty="0">
@@ -7366,8 +7383,8 @@
           </a:p>
         </p:txBody>
       </p:sp>
-      <mc:AlternateContent xmlns:mc="http://schemas.openxmlformats.org/markup-compatibility/2006">
-        <mc:Choice xmlns:a14="http://schemas.microsoft.com/office/drawing/2010/main" Requires="a14">
+      <mc:AlternateContent xmlns:mc="http://schemas.openxmlformats.org/markup-compatibility/2006" xmlns:a14="http://schemas.microsoft.com/office/drawing/2010/main">
+        <mc:Choice Requires="a14">
           <p:sp>
             <p:nvSpPr>
               <p:cNvPr id="3" name="Content Placeholder 2">
@@ -8020,7 +8037,7 @@
             </p:txBody>
           </p:sp>
         </mc:Choice>
-        <mc:Fallback>
+        <mc:Fallback xmlns="">
           <p:sp>
             <p:nvSpPr>
               <p:cNvPr id="3" name="Content Placeholder 2">
@@ -8122,8 +8139,8 @@
           </a:p>
         </p:txBody>
       </p:sp>
-      <mc:AlternateContent xmlns:mc="http://schemas.openxmlformats.org/markup-compatibility/2006">
-        <mc:Choice xmlns:a14="http://schemas.microsoft.com/office/drawing/2010/main" Requires="a14">
+      <mc:AlternateContent xmlns:mc="http://schemas.openxmlformats.org/markup-compatibility/2006" xmlns:a14="http://schemas.microsoft.com/office/drawing/2010/main">
+        <mc:Choice Requires="a14">
           <p:sp>
             <p:nvSpPr>
               <p:cNvPr id="3" name="Content Placeholder 2">
@@ -8728,7 +8745,7 @@
             </p:txBody>
           </p:sp>
         </mc:Choice>
-        <mc:Fallback>
+        <mc:Fallback xmlns="">
           <p:sp>
             <p:nvSpPr>
               <p:cNvPr id="3" name="Content Placeholder 2">
@@ -8831,8 +8848,8 @@
           </a:p>
         </p:txBody>
       </p:sp>
-      <mc:AlternateContent xmlns:mc="http://schemas.openxmlformats.org/markup-compatibility/2006">
-        <mc:Choice xmlns:a14="http://schemas.microsoft.com/office/drawing/2010/main" Requires="a14">
+      <mc:AlternateContent xmlns:mc="http://schemas.openxmlformats.org/markup-compatibility/2006" xmlns:a14="http://schemas.microsoft.com/office/drawing/2010/main">
+        <mc:Choice Requires="a14">
           <p:sp>
             <p:nvSpPr>
               <p:cNvPr id="3" name="Content Placeholder 2">
@@ -8984,7 +9001,7 @@
             </p:txBody>
           </p:sp>
         </mc:Choice>
-        <mc:Fallback>
+        <mc:Fallback xmlns="">
           <p:sp>
             <p:nvSpPr>
               <p:cNvPr id="3" name="Content Placeholder 2">
@@ -9123,8 +9140,8 @@
           </a:p>
         </p:txBody>
       </p:sp>
-      <mc:AlternateContent xmlns:mc="http://schemas.openxmlformats.org/markup-compatibility/2006">
-        <mc:Choice xmlns:a14="http://schemas.microsoft.com/office/drawing/2010/main" Requires="a14">
+      <mc:AlternateContent xmlns:mc="http://schemas.openxmlformats.org/markup-compatibility/2006" xmlns:a14="http://schemas.microsoft.com/office/drawing/2010/main">
+        <mc:Choice Requires="a14">
           <p:sp>
             <p:nvSpPr>
               <p:cNvPr id="3" name="Content Placeholder 2">
@@ -9354,7 +9371,7 @@
             </p:txBody>
           </p:sp>
         </mc:Choice>
-        <mc:Fallback>
+        <mc:Fallback xmlns="">
           <p:sp>
             <p:nvSpPr>
               <p:cNvPr id="3" name="Content Placeholder 2">
@@ -10052,7 +10069,23 @@
                       <a:schemeClr val="accent1"/>
                     </a:solidFill>
                   </a:rPr>
-                  <a:t> </a:t>
+                  <a:t> 		[</a:t>
+                </a:r>
+                <a:r>
+                  <a:rPr lang="en-US" b="1" i="1" dirty="0">
+                    <a:solidFill>
+                      <a:srgbClr val="FF0000"/>
+                    </a:solidFill>
+                  </a:rPr>
+                  <a:t>Monotonicity</a:t>
+                </a:r>
+                <a:r>
+                  <a:rPr lang="en-US" dirty="0">
+                    <a:solidFill>
+                      <a:schemeClr val="accent1"/>
+                    </a:solidFill>
+                  </a:rPr>
+                  <a:t>] 	</a:t>
                 </a:r>
                 <a:r>
                   <a:rPr lang="en-US" sz="1800" dirty="0">
@@ -10060,47 +10093,7 @@
                       <a:schemeClr val="accent1"/>
                     </a:solidFill>
                   </a:rPr>
-                  <a:t>[</a:t>
-                </a:r>
-                <a:r>
-                  <a:rPr lang="en-US" sz="1800" b="1" i="1" u="sng" dirty="0">
-                    <a:solidFill>
-                      <a:srgbClr val="FF0000"/>
-                    </a:solidFill>
-                  </a:rPr>
-                  <a:t>Monotonicity</a:t>
-                </a:r>
-                <a:r>
-                  <a:rPr lang="en-US" sz="1800" b="1" i="1" dirty="0">
-                    <a:solidFill>
-                      <a:srgbClr val="FF0000"/>
-                    </a:solidFill>
-                  </a:rPr>
-                  <a:t>:</a:t>
-                </a:r>
-                <a:r>
-                  <a:rPr lang="en-US" sz="1800" dirty="0">
-                    <a:solidFill>
-                      <a:schemeClr val="accent1"/>
-                    </a:solidFill>
-                  </a:rPr>
-                  <a:t> Edge costs are </a:t>
-                </a:r>
-                <a:r>
-                  <a:rPr lang="en-US" sz="1800" b="1" i="1" dirty="0">
-                    <a:solidFill>
-                      <a:srgbClr val="FF0000"/>
-                    </a:solidFill>
-                  </a:rPr>
-                  <a:t>non-negative</a:t>
-                </a:r>
-                <a:r>
-                  <a:rPr lang="en-US" sz="1800" dirty="0">
-                    <a:solidFill>
-                      <a:schemeClr val="accent1"/>
-                    </a:solidFill>
-                  </a:rPr>
-                  <a:t>.] 	 	</a:t>
+                  <a:t> 	</a:t>
                 </a:r>
                 <a:r>
                   <a:rPr lang="en-US" b="1" i="1" dirty="0">
@@ -10689,7 +10682,7 @@
                       <a:schemeClr val="tx1"/>
                     </a:solidFill>
                   </a:rPr>
-                  <a:t>			</a:t>
+                  <a:t>		       </a:t>
                 </a:r>
                 <a14:m>
                   <m:oMath xmlns:m="http://schemas.openxmlformats.org/officeDocument/2006/math">
@@ -10778,7 +10771,7 @@
                       <a:schemeClr val="tx1"/>
                     </a:solidFill>
                   </a:rPr>
-                  <a:t> 				</a:t>
+                  <a:t> 					</a:t>
                 </a:r>
                 <a:r>
                   <a:rPr lang="en-US" b="1" i="1" dirty="0">
@@ -11261,7 +11254,12 @@
                 <p:ph idx="1"/>
               </p:nvPr>
             </p:nvSpPr>
-            <p:spPr/>
+            <p:spPr>
+              <a:xfrm>
+                <a:off x="838200" y="1825625"/>
+                <a:ext cx="10515600" cy="4667250"/>
+              </a:xfrm>
+            </p:spPr>
             <p:txBody>
               <a:bodyPr>
                 <a:normAutofit fontScale="25000" lnSpcReduction="20000"/>
@@ -11272,20 +11270,12 @@
                   <a:buNone/>
                 </a:pPr>
                 <a:r>
-                  <a:rPr lang="en-US" sz="5500" b="1" i="1" u="sng" dirty="0">
-                    <a:solidFill>
-                      <a:srgbClr val="FF0000"/>
-                    </a:solidFill>
-                  </a:rPr>
-                  <a:t>Proof</a:t>
-                </a:r>
-                <a:r>
-                  <a:rPr lang="en-US" sz="5500" b="1" i="1" dirty="0">
-                    <a:solidFill>
-                      <a:srgbClr val="FF0000"/>
-                    </a:solidFill>
-                  </a:rPr>
-                  <a:t>: (Continued)</a:t>
+                  <a:rPr lang="en-US" sz="8000" dirty="0">
+                    <a:solidFill>
+                      <a:schemeClr val="accent1"/>
+                    </a:solidFill>
+                  </a:rPr>
+                  <a:t>By the triangle inequality, however, </a:t>
                 </a:r>
               </a:p>
               <a:p>
@@ -11298,7 +11288,7 @@
                       <a:schemeClr val="accent1"/>
                     </a:solidFill>
                   </a:rPr>
-                  <a:t>By the triangle inequality, however, we can delete a visit to any vertex from </a:t>
+                  <a:t>we can delete a visit to any vertex from </a:t>
                 </a:r>
                 <a14:m>
                   <m:oMath xmlns:m="http://schemas.openxmlformats.org/officeDocument/2006/math">
@@ -11316,7 +11306,7 @@
                       <a:schemeClr val="accent1"/>
                     </a:solidFill>
                   </a:rPr>
-                  <a:t> without increasing the cost. [</a:t>
+                  <a:t> without increasing the cost. 	[</a:t>
                 </a:r>
                 <a:r>
                   <a:rPr lang="en-US" sz="8000" b="1" i="1" dirty="0">
@@ -12267,53 +12257,6 @@
                 <a:r>
                   <a:rPr lang="en-US" sz="8000" i="1" dirty="0"/>
                   <a:t>….</a:t>
-                </a:r>
-              </a:p>
-              <a:p>
-                <a:pPr marL="0" indent="0">
-                  <a:buNone/>
-                </a:pPr>
-                <a:r>
-                  <a:rPr lang="en-US" sz="8000" dirty="0">
-                    <a:solidFill>
-                      <a:schemeClr val="accent1"/>
-                    </a:solidFill>
-                  </a:rPr>
-                  <a:t>[The vertices and edges in </a:t>
-                </a:r>
-                <a:r>
-                  <a:rPr lang="en-US" sz="8000" b="1" i="1" dirty="0">
-                    <a:solidFill>
-                      <a:srgbClr val="FF0000"/>
-                    </a:solidFill>
-                  </a:rPr>
-                  <a:t>red</a:t>
-                </a:r>
-                <a:r>
-                  <a:rPr lang="en-US" sz="8000" dirty="0">
-                    <a:solidFill>
-                      <a:schemeClr val="accent1"/>
-                    </a:solidFill>
-                  </a:rPr>
-                  <a:t> are removed from </a:t>
-                </a:r>
-                <a14:m>
-                  <m:oMath xmlns:m="http://schemas.openxmlformats.org/officeDocument/2006/math">
-                    <m:r>
-                      <a:rPr lang="en-US" sz="8000" i="1">
-                        <a:latin typeface="Cambria Math" panose="02040503050406030204" pitchFamily="18" charset="0"/>
-                      </a:rPr>
-                      <m:t>𝑊</m:t>
-                    </m:r>
-                  </m:oMath>
-                </a14:m>
-                <a:r>
-                  <a:rPr lang="en-US" sz="8000" dirty="0">
-                    <a:solidFill>
-                      <a:schemeClr val="accent1"/>
-                    </a:solidFill>
-                  </a:rPr>
-                  <a:t>].</a:t>
                 </a:r>
               </a:p>
               <a:p>
@@ -12587,10 +12530,14 @@
               </p:nvPr>
             </p:nvSpPr>
             <p:spPr>
+              <a:xfrm>
+                <a:off x="838200" y="1825625"/>
+                <a:ext cx="10515600" cy="4667250"/>
+              </a:xfrm>
               <a:blipFill>
                 <a:blip r:embed="rId2"/>
                 <a:stretch>
-                  <a:fillRect l="-638" t="-1401" b="-12045"/>
+                  <a:fillRect l="-638" t="-2350"/>
                 </a:stretch>
               </a:blipFill>
             </p:spPr>
@@ -13453,7 +13400,7 @@
                       <a:schemeClr val="tx1"/>
                     </a:solidFill>
                   </a:rPr>
-                  <a:t>	</a:t>
+                  <a:t>			</a:t>
                 </a:r>
                 <a:r>
                   <a:rPr lang="en-US" dirty="0">
@@ -13709,8 +13656,8 @@
           </a:p>
         </p:txBody>
       </p:sp>
-      <mc:AlternateContent xmlns:mc="http://schemas.openxmlformats.org/markup-compatibility/2006">
-        <mc:Choice xmlns:a14="http://schemas.microsoft.com/office/drawing/2010/main" Requires="a14">
+      <mc:AlternateContent xmlns:mc="http://schemas.openxmlformats.org/markup-compatibility/2006" xmlns:a14="http://schemas.microsoft.com/office/drawing/2010/main">
+        <mc:Choice Requires="a14">
           <p:sp>
             <p:nvSpPr>
               <p:cNvPr id="3" name="Content Placeholder 2">
@@ -14611,7 +14558,7 @@
             </p:txBody>
           </p:sp>
         </mc:Choice>
-        <mc:Fallback>
+        <mc:Fallback xmlns="">
           <p:sp>
             <p:nvSpPr>
               <p:cNvPr id="3" name="Content Placeholder 2">
@@ -14812,8 +14759,8 @@
           </a:p>
         </p:txBody>
       </p:sp>
-      <mc:AlternateContent xmlns:mc="http://schemas.openxmlformats.org/markup-compatibility/2006">
-        <mc:Choice xmlns:a14="http://schemas.microsoft.com/office/drawing/2010/main" Requires="a14">
+      <mc:AlternateContent xmlns:mc="http://schemas.openxmlformats.org/markup-compatibility/2006" xmlns:a14="http://schemas.microsoft.com/office/drawing/2010/main">
+        <mc:Choice Requires="a14">
           <p:sp>
             <p:nvSpPr>
               <p:cNvPr id="3" name="Content Placeholder 2">
@@ -14970,7 +14917,7 @@
             </p:txBody>
           </p:sp>
         </mc:Choice>
-        <mc:Fallback>
+        <mc:Fallback xmlns="">
           <p:sp>
             <p:nvSpPr>
               <p:cNvPr id="3" name="Content Placeholder 2">
@@ -15073,8 +15020,8 @@
           </a:p>
         </p:txBody>
       </p:sp>
-      <mc:AlternateContent xmlns:mc="http://schemas.openxmlformats.org/markup-compatibility/2006">
-        <mc:Choice xmlns:a14="http://schemas.microsoft.com/office/drawing/2010/main" Requires="a14">
+      <mc:AlternateContent xmlns:mc="http://schemas.openxmlformats.org/markup-compatibility/2006" xmlns:a14="http://schemas.microsoft.com/office/drawing/2010/main">
+        <mc:Choice Requires="a14">
           <p:sp>
             <p:nvSpPr>
               <p:cNvPr id="3" name="Content Placeholder 2">
@@ -15284,7 +15231,7 @@
             </p:txBody>
           </p:sp>
         </mc:Choice>
-        <mc:Fallback>
+        <mc:Fallback xmlns="">
           <p:sp>
             <p:nvSpPr>
               <p:cNvPr id="3" name="Content Placeholder 2">
@@ -15423,8 +15370,8 @@
           </a:p>
         </p:txBody>
       </p:sp>
-      <mc:AlternateContent xmlns:mc="http://schemas.openxmlformats.org/markup-compatibility/2006">
-        <mc:Choice xmlns:a14="http://schemas.microsoft.com/office/drawing/2010/main" Requires="a14">
+      <mc:AlternateContent xmlns:mc="http://schemas.openxmlformats.org/markup-compatibility/2006" xmlns:a14="http://schemas.microsoft.com/office/drawing/2010/main">
+        <mc:Choice Requires="a14">
           <p:sp>
             <p:nvSpPr>
               <p:cNvPr id="3" name="Content Placeholder 2">
@@ -16070,7 +16017,7 @@
             </p:txBody>
           </p:sp>
         </mc:Choice>
-        <mc:Fallback>
+        <mc:Fallback xmlns="">
           <p:sp>
             <p:nvSpPr>
               <p:cNvPr id="3" name="Content Placeholder 2">
@@ -16380,8 +16327,8 @@
           </a:p>
         </p:txBody>
       </p:sp>
-      <mc:AlternateContent xmlns:mc="http://schemas.openxmlformats.org/markup-compatibility/2006">
-        <mc:Choice xmlns:a14="http://schemas.microsoft.com/office/drawing/2010/main" Requires="a14">
+      <mc:AlternateContent xmlns:mc="http://schemas.openxmlformats.org/markup-compatibility/2006" xmlns:a14="http://schemas.microsoft.com/office/drawing/2010/main">
+        <mc:Choice Requires="a14">
           <p:sp>
             <p:nvSpPr>
               <p:cNvPr id="3" name="Content Placeholder 2">
@@ -16988,7 +16935,7 @@
             </p:txBody>
           </p:sp>
         </mc:Choice>
-        <mc:Fallback>
+        <mc:Fallback xmlns="">
           <p:sp>
             <p:nvSpPr>
               <p:cNvPr id="3" name="Content Placeholder 2">
@@ -17091,8 +17038,8 @@
           </a:p>
         </p:txBody>
       </p:sp>
-      <mc:AlternateContent xmlns:mc="http://schemas.openxmlformats.org/markup-compatibility/2006">
-        <mc:Choice xmlns:a14="http://schemas.microsoft.com/office/drawing/2010/main" Requires="a14">
+      <mc:AlternateContent xmlns:mc="http://schemas.openxmlformats.org/markup-compatibility/2006" xmlns:a14="http://schemas.microsoft.com/office/drawing/2010/main">
+        <mc:Choice Requires="a14">
           <p:sp>
             <p:nvSpPr>
               <p:cNvPr id="3" name="Content Placeholder 2">
@@ -17785,13 +17732,7 @@
                               <a:rPr lang="en-US" b="0" i="1" smtClean="0">
                                 <a:latin typeface="Cambria Math" panose="02040503050406030204" pitchFamily="18" charset="0"/>
                               </a:rPr>
-                              <m:t>)</m:t>
-                            </m:r>
-                            <m:r>
-                              <a:rPr lang="en-US" b="0" i="1" smtClean="0">
-                                <a:latin typeface="Cambria Math" panose="02040503050406030204" pitchFamily="18" charset="0"/>
-                              </a:rPr>
-                              <m:t>|</m:t>
+                              <m:t>)|</m:t>
                             </m:r>
                           </m:den>
                         </m:f>
@@ -17818,7 +17759,7 @@
             </p:txBody>
           </p:sp>
         </mc:Choice>
-        <mc:Fallback>
+        <mc:Fallback xmlns="">
           <p:sp>
             <p:nvSpPr>
               <p:cNvPr id="3" name="Content Placeholder 2">
@@ -17921,8 +17862,8 @@
           </a:p>
         </p:txBody>
       </p:sp>
-      <mc:AlternateContent xmlns:mc="http://schemas.openxmlformats.org/markup-compatibility/2006">
-        <mc:Choice xmlns:a14="http://schemas.microsoft.com/office/drawing/2010/main" Requires="a14">
+      <mc:AlternateContent xmlns:mc="http://schemas.openxmlformats.org/markup-compatibility/2006" xmlns:a14="http://schemas.microsoft.com/office/drawing/2010/main">
+        <mc:Choice Requires="a14">
           <p:sp>
             <p:nvSpPr>
               <p:cNvPr id="3" name="Content Placeholder 2">
@@ -18916,7 +18857,7 @@
             </p:txBody>
           </p:sp>
         </mc:Choice>
-        <mc:Fallback>
+        <mc:Fallback xmlns="">
           <p:sp>
             <p:nvSpPr>
               <p:cNvPr id="3" name="Content Placeholder 2">
@@ -19019,8 +18960,8 @@
           </a:p>
         </p:txBody>
       </p:sp>
-      <mc:AlternateContent xmlns:mc="http://schemas.openxmlformats.org/markup-compatibility/2006">
-        <mc:Choice xmlns:a14="http://schemas.microsoft.com/office/drawing/2010/main" Requires="a14">
+      <mc:AlternateContent xmlns:mc="http://schemas.openxmlformats.org/markup-compatibility/2006" xmlns:a14="http://schemas.microsoft.com/office/drawing/2010/main">
+        <mc:Choice Requires="a14">
           <p:sp>
             <p:nvSpPr>
               <p:cNvPr id="3" name="Content Placeholder 2">
@@ -20237,7 +20178,7 @@
             </p:txBody>
           </p:sp>
         </mc:Choice>
-        <mc:Fallback>
+        <mc:Fallback xmlns="">
           <p:sp>
             <p:nvSpPr>
               <p:cNvPr id="3" name="Content Placeholder 2">
@@ -20340,8 +20281,8 @@
           </a:p>
         </p:txBody>
       </p:sp>
-      <mc:AlternateContent xmlns:mc="http://schemas.openxmlformats.org/markup-compatibility/2006">
-        <mc:Choice xmlns:a14="http://schemas.microsoft.com/office/drawing/2010/main" Requires="a14">
+      <mc:AlternateContent xmlns:mc="http://schemas.openxmlformats.org/markup-compatibility/2006" xmlns:a14="http://schemas.microsoft.com/office/drawing/2010/main">
+        <mc:Choice Requires="a14">
           <p:sp>
             <p:nvSpPr>
               <p:cNvPr id="3" name="Content Placeholder 2">
@@ -21882,7 +21823,7 @@
             </p:txBody>
           </p:sp>
         </mc:Choice>
-        <mc:Fallback>
+        <mc:Fallback xmlns="">
           <p:sp>
             <p:nvSpPr>
               <p:cNvPr id="3" name="Content Placeholder 2">
@@ -22003,10 +21944,15 @@
                 <p:ph idx="1"/>
               </p:nvPr>
             </p:nvSpPr>
-            <p:spPr/>
+            <p:spPr>
+              <a:xfrm>
+                <a:off x="838200" y="1574800"/>
+                <a:ext cx="10515600" cy="4918075"/>
+              </a:xfrm>
+            </p:spPr>
             <p:txBody>
               <a:bodyPr>
-                <a:normAutofit fontScale="55000" lnSpcReduction="20000"/>
+                <a:normAutofit fontScale="47500" lnSpcReduction="20000"/>
               </a:bodyPr>
               <a:lstStyle/>
               <a:p>
@@ -22014,38 +21960,16 @@
                   <a:buNone/>
                 </a:pPr>
                 <a:r>
-                  <a:rPr lang="en-US" b="1" i="1" u="sng" dirty="0">
-                    <a:solidFill>
-                      <a:srgbClr val="FF0000"/>
-                    </a:solidFill>
-                  </a:rPr>
-                  <a:t>Proof</a:t>
-                </a:r>
-                <a:r>
-                  <a:rPr lang="en-US" b="1" i="1" dirty="0">
-                    <a:solidFill>
-                      <a:srgbClr val="FF0000"/>
+                  <a:rPr lang="en-US" sz="4500" dirty="0">
+                    <a:solidFill>
+                      <a:schemeClr val="accent1"/>
                     </a:solidFill>
                     <a:sym typeface="Wingdings" panose="05000000000000000000" pitchFamily="2" charset="2"/>
                   </a:rPr>
-                  <a:t>: (Continued)</a:t>
-                </a:r>
-              </a:p>
-              <a:p>
-                <a:pPr marL="0" indent="0">
-                  <a:buNone/>
-                </a:pPr>
-                <a:r>
-                  <a:rPr lang="en-US" dirty="0">
-                    <a:solidFill>
-                      <a:schemeClr val="accent1"/>
-                    </a:solidFill>
-                    <a:sym typeface="Wingdings" panose="05000000000000000000" pitchFamily="2" charset="2"/>
-                  </a:rPr>
                   <a:t>	</a:t>
                 </a:r>
                 <a:r>
-                  <a:rPr lang="en-US" sz="2800" dirty="0">
+                  <a:rPr lang="en-US" sz="4500" dirty="0">
                     <a:solidFill>
                       <a:schemeClr val="tx1"/>
                     </a:solidFill>
@@ -22061,7 +21985,7 @@
                         <m:limLoc m:val="subSup"/>
                         <m:supHide m:val="on"/>
                         <m:ctrlPr>
-                          <a:rPr lang="en-US" sz="2800" i="1" smtClean="0">
+                          <a:rPr lang="en-US" sz="4500" i="1" smtClean="0">
                             <a:solidFill>
                               <a:schemeClr val="tx1"/>
                             </a:solidFill>
@@ -22075,7 +21999,7 @@
                           <m:rPr>
                             <m:brk m:alnAt="9"/>
                           </m:rPr>
-                          <a:rPr lang="en-US" sz="2800" b="0" i="1" smtClean="0">
+                          <a:rPr lang="en-US" sz="4500" b="0" i="1" smtClean="0">
                             <a:solidFill>
                               <a:schemeClr val="tx1"/>
                             </a:solidFill>
@@ -22085,7 +22009,7 @@
                           <m:t>𝑥</m:t>
                         </m:r>
                         <m:r>
-                          <a:rPr lang="en-US" sz="2800" b="0" i="1" smtClean="0">
+                          <a:rPr lang="en-US" sz="4500" b="0" i="1" smtClean="0">
                             <a:solidFill>
                               <a:schemeClr val="tx1"/>
                             </a:solidFill>
@@ -22096,7 +22020,7 @@
                           <m:t>∈</m:t>
                         </m:r>
                         <m:r>
-                          <a:rPr lang="en-US" sz="2800" b="0" i="1" smtClean="0">
+                          <a:rPr lang="en-US" sz="4500" b="0" i="1" smtClean="0">
                             <a:solidFill>
                               <a:schemeClr val="tx1"/>
                             </a:solidFill>
@@ -22112,7 +22036,7 @@
                         <m:sSub>
                           <m:sSubPr>
                             <m:ctrlPr>
-                              <a:rPr lang="en-US" sz="2800" i="1" smtClean="0">
+                              <a:rPr lang="en-US" sz="4500" i="1" smtClean="0">
                                 <a:solidFill>
                                   <a:schemeClr val="tx1"/>
                                 </a:solidFill>
@@ -22123,7 +22047,7 @@
                           </m:sSubPr>
                           <m:e>
                             <m:r>
-                              <a:rPr lang="en-US" sz="2800" b="0" i="1" smtClean="0">
+                              <a:rPr lang="en-US" sz="4500" b="0" i="1" smtClean="0">
                                 <a:solidFill>
                                   <a:schemeClr val="tx1"/>
                                 </a:solidFill>
@@ -22135,7 +22059,7 @@
                           </m:e>
                           <m:sub>
                             <m:r>
-                              <a:rPr lang="en-US" sz="2800" b="0" i="1" smtClean="0">
+                              <a:rPr lang="en-US" sz="4500" b="0" i="1" smtClean="0">
                                 <a:solidFill>
                                   <a:schemeClr val="tx1"/>
                                 </a:solidFill>
@@ -22147,17 +22071,27 @@
                           </m:sub>
                         </m:sSub>
                         <m:r>
-                          <a:rPr lang="en-US" sz="2800" b="0" i="1" smtClean="0">
+                          <a:rPr lang="en-US" sz="4500" b="0" i="1" smtClean="0">
                             <a:solidFill>
                               <a:schemeClr val="tx1"/>
                             </a:solidFill>
                             <a:latin typeface="Cambria Math" panose="02040503050406030204" pitchFamily="18" charset="0"/>
                             <a:sym typeface="Wingdings" panose="05000000000000000000" pitchFamily="2" charset="2"/>
                           </a:rPr>
-                          <m:t>           </m:t>
-                        </m:r>
-                        <m:r>
-                          <a:rPr lang="en-US" sz="2800" b="0" i="1" smtClean="0">
+                          <m:t>         </m:t>
+                        </m:r>
+                        <m:r>
+                          <a:rPr lang="en-US" sz="4500" b="0" i="1" smtClean="0">
+                            <a:solidFill>
+                              <a:schemeClr val="tx1"/>
+                            </a:solidFill>
+                            <a:latin typeface="Cambria Math" panose="02040503050406030204" pitchFamily="18" charset="0"/>
+                            <a:sym typeface="Wingdings" panose="05000000000000000000" pitchFamily="2" charset="2"/>
+                          </a:rPr>
+                          <m:t> </m:t>
+                        </m:r>
+                        <m:r>
+                          <a:rPr lang="en-US" sz="4500" b="0" i="1" smtClean="0">
                             <a:solidFill>
                               <a:schemeClr val="tx1"/>
                             </a:solidFill>
@@ -22171,7 +22105,7 @@
                   </m:oMath>
                 </a14:m>
                 <a:r>
-                  <a:rPr lang="en-US" dirty="0">
+                  <a:rPr lang="en-US" sz="4500" dirty="0">
                     <a:sym typeface="Wingdings" panose="05000000000000000000" pitchFamily="2" charset="2"/>
                   </a:rPr>
                   <a:t> </a:t>
@@ -22183,7 +22117,7 @@
                         <m:chr m:val="∑"/>
                         <m:limLoc m:val="subSup"/>
                         <m:ctrlPr>
-                          <a:rPr lang="en-US" i="1" smtClean="0">
+                          <a:rPr lang="en-US" sz="4500" i="1" smtClean="0">
                             <a:latin typeface="Cambria Math" panose="02040503050406030204" pitchFamily="18" charset="0"/>
                             <a:sym typeface="Wingdings" panose="05000000000000000000" pitchFamily="2" charset="2"/>
                           </a:rPr>
@@ -22194,14 +22128,14 @@
                           <m:rPr>
                             <m:brk m:alnAt="25"/>
                           </m:rPr>
-                          <a:rPr lang="en-US" b="0" i="1" smtClean="0">
+                          <a:rPr lang="en-US" sz="4500" b="0" i="1" smtClean="0">
                             <a:latin typeface="Cambria Math" panose="02040503050406030204" pitchFamily="18" charset="0"/>
                             <a:sym typeface="Wingdings" panose="05000000000000000000" pitchFamily="2" charset="2"/>
                           </a:rPr>
                           <m:t>𝑖</m:t>
                         </m:r>
                         <m:r>
-                          <a:rPr lang="en-US" b="0" i="1" smtClean="0">
+                          <a:rPr lang="en-US" sz="4500" b="0" i="1" smtClean="0">
                             <a:latin typeface="Cambria Math" panose="02040503050406030204" pitchFamily="18" charset="0"/>
                             <a:sym typeface="Wingdings" panose="05000000000000000000" pitchFamily="2" charset="2"/>
                           </a:rPr>
@@ -22210,7 +22144,7 @@
                       </m:sub>
                       <m:sup>
                         <m:r>
-                          <a:rPr lang="en-US" b="0" i="1" smtClean="0">
+                          <a:rPr lang="en-US" sz="4500" b="0" i="1" smtClean="0">
                             <a:latin typeface="Cambria Math" panose="02040503050406030204" pitchFamily="18" charset="0"/>
                             <a:sym typeface="Wingdings" panose="05000000000000000000" pitchFamily="2" charset="2"/>
                           </a:rPr>
@@ -22219,7 +22153,7 @@
                       </m:sup>
                       <m:e>
                         <m:r>
-                          <a:rPr lang="en-US" i="1">
+                          <a:rPr lang="en-US" sz="4500" i="1">
                             <a:latin typeface="Cambria Math" panose="02040503050406030204" pitchFamily="18" charset="0"/>
                             <a:sym typeface="Wingdings" panose="05000000000000000000" pitchFamily="2" charset="2"/>
                           </a:rPr>
@@ -22228,14 +22162,14 @@
                         <m:sSub>
                           <m:sSubPr>
                             <m:ctrlPr>
-                              <a:rPr lang="en-US" i="1">
+                              <a:rPr lang="en-US" sz="4500" i="1">
                                 <a:latin typeface="Cambria Math" panose="02040503050406030204" pitchFamily="18" charset="0"/>
                               </a:rPr>
                             </m:ctrlPr>
                           </m:sSubPr>
                           <m:e>
                             <m:r>
-                              <a:rPr lang="en-US" i="1">
+                              <a:rPr lang="en-US" sz="4500" i="1">
                                 <a:latin typeface="Cambria Math" panose="02040503050406030204" pitchFamily="18" charset="0"/>
                               </a:rPr>
                               <m:t>𝑢</m:t>
@@ -22243,13 +22177,13 @@
                           </m:e>
                           <m:sub>
                             <m:r>
-                              <a:rPr lang="en-US" i="1">
+                              <a:rPr lang="en-US" sz="4500" i="1">
                                 <a:latin typeface="Cambria Math" panose="02040503050406030204" pitchFamily="18" charset="0"/>
                               </a:rPr>
                               <m:t>𝑖</m:t>
                             </m:r>
                             <m:r>
-                              <a:rPr lang="en-US" i="1">
+                              <a:rPr lang="en-US" sz="4500" i="1">
                                 <a:latin typeface="Cambria Math" panose="02040503050406030204" pitchFamily="18" charset="0"/>
                               </a:rPr>
                               <m:t>−1</m:t>
@@ -22257,7 +22191,7 @@
                           </m:sub>
                         </m:sSub>
                         <m:r>
-                          <a:rPr lang="en-US" i="1">
+                          <a:rPr lang="en-US" sz="4500" i="1">
                             <a:latin typeface="Cambria Math" panose="02040503050406030204" pitchFamily="18" charset="0"/>
                           </a:rPr>
                           <m:t>−</m:t>
@@ -22265,14 +22199,14 @@
                         <m:sSub>
                           <m:sSubPr>
                             <m:ctrlPr>
-                              <a:rPr lang="en-US" i="1">
+                              <a:rPr lang="en-US" sz="4500" i="1">
                                 <a:latin typeface="Cambria Math" panose="02040503050406030204" pitchFamily="18" charset="0"/>
                               </a:rPr>
                             </m:ctrlPr>
                           </m:sSubPr>
                           <m:e>
                             <m:r>
-                              <a:rPr lang="en-US" i="1">
+                              <a:rPr lang="en-US" sz="4500" i="1">
                                 <a:latin typeface="Cambria Math" panose="02040503050406030204" pitchFamily="18" charset="0"/>
                               </a:rPr>
                               <m:t>𝑢</m:t>
@@ -22280,7 +22214,7 @@
                           </m:e>
                           <m:sub>
                             <m:r>
-                              <a:rPr lang="en-US" i="1">
+                              <a:rPr lang="en-US" sz="4500" i="1">
                                 <a:latin typeface="Cambria Math" panose="02040503050406030204" pitchFamily="18" charset="0"/>
                               </a:rPr>
                               <m:t>𝑖</m:t>
@@ -22288,13 +22222,13 @@
                           </m:sub>
                         </m:sSub>
                         <m:r>
-                          <a:rPr lang="en-US" i="1">
+                          <a:rPr lang="en-US" sz="4500" i="1">
                             <a:latin typeface="Cambria Math" panose="02040503050406030204" pitchFamily="18" charset="0"/>
                           </a:rPr>
                           <m:t>)</m:t>
                         </m:r>
                         <m:r>
-                          <a:rPr lang="en-US" i="1">
+                          <a:rPr lang="en-US" sz="4500" i="1">
                             <a:latin typeface="Cambria Math" panose="02040503050406030204" pitchFamily="18" charset="0"/>
                             <a:ea typeface="Cambria Math" panose="02040503050406030204" pitchFamily="18" charset="0"/>
                           </a:rPr>
@@ -22303,7 +22237,7 @@
                         <m:box>
                           <m:boxPr>
                             <m:ctrlPr>
-                              <a:rPr lang="en-US" i="1">
+                              <a:rPr lang="en-US" sz="4500" i="1">
                                 <a:latin typeface="Cambria Math" panose="02040503050406030204" pitchFamily="18" charset="0"/>
                                 <a:ea typeface="Cambria Math" panose="02040503050406030204" pitchFamily="18" charset="0"/>
                               </a:rPr>
@@ -22316,7 +22250,7 @@
                             <m:f>
                               <m:fPr>
                                 <m:ctrlPr>
-                                  <a:rPr lang="en-US" i="1">
+                                  <a:rPr lang="en-US" sz="4500" i="1">
                                     <a:latin typeface="Cambria Math" panose="02040503050406030204" pitchFamily="18" charset="0"/>
                                     <a:ea typeface="Cambria Math" panose="02040503050406030204" pitchFamily="18" charset="0"/>
                                   </a:rPr>
@@ -22324,7 +22258,7 @@
                               </m:fPr>
                               <m:num>
                                 <m:r>
-                                  <a:rPr lang="en-US" i="1">
+                                  <a:rPr lang="en-US" sz="4500" i="1">
                                     <a:latin typeface="Cambria Math" panose="02040503050406030204" pitchFamily="18" charset="0"/>
                                     <a:ea typeface="Cambria Math" panose="02040503050406030204" pitchFamily="18" charset="0"/>
                                   </a:rPr>
@@ -22335,14 +22269,14 @@
                                 <m:sSub>
                                   <m:sSubPr>
                                     <m:ctrlPr>
-                                      <a:rPr lang="en-US" i="1">
+                                      <a:rPr lang="en-US" sz="4500" i="1">
                                         <a:latin typeface="Cambria Math" panose="02040503050406030204" pitchFamily="18" charset="0"/>
                                       </a:rPr>
                                     </m:ctrlPr>
                                   </m:sSubPr>
                                   <m:e>
                                     <m:r>
-                                      <a:rPr lang="en-US" i="1">
+                                      <a:rPr lang="en-US" sz="4500" i="1">
                                         <a:latin typeface="Cambria Math" panose="02040503050406030204" pitchFamily="18" charset="0"/>
                                       </a:rPr>
                                       <m:t>𝑢</m:t>
@@ -22350,13 +22284,13 @@
                                   </m:e>
                                   <m:sub>
                                     <m:r>
-                                      <a:rPr lang="en-US" i="1">
+                                      <a:rPr lang="en-US" sz="4500" i="1">
                                         <a:latin typeface="Cambria Math" panose="02040503050406030204" pitchFamily="18" charset="0"/>
                                       </a:rPr>
                                       <m:t>𝑖</m:t>
                                     </m:r>
                                     <m:r>
-                                      <a:rPr lang="en-US" i="1">
+                                      <a:rPr lang="en-US" sz="4500" i="1">
                                         <a:latin typeface="Cambria Math" panose="02040503050406030204" pitchFamily="18" charset="0"/>
                                       </a:rPr>
                                       <m:t>−1</m:t>
@@ -22372,7 +22306,7 @@
                   </m:oMath>
                 </a14:m>
                 <a:r>
-                  <a:rPr lang="en-US" dirty="0">
+                  <a:rPr lang="en-US" sz="4500" dirty="0">
                     <a:solidFill>
                       <a:schemeClr val="accent1"/>
                     </a:solidFill>
@@ -22386,7 +22320,7 @@
                   <a:buNone/>
                 </a:pPr>
                 <a:r>
-                  <a:rPr lang="en-US" dirty="0">
+                  <a:rPr lang="en-US" sz="4500" dirty="0">
                     <a:solidFill>
                       <a:schemeClr val="accent1"/>
                     </a:solidFill>
@@ -22395,7 +22329,7 @@
                   <a:t>	</a:t>
                 </a:r>
                 <a:r>
-                  <a:rPr lang="en-US" sz="2800" dirty="0">
+                  <a:rPr lang="en-US" sz="4500" dirty="0">
                     <a:solidFill>
                       <a:schemeClr val="tx1"/>
                     </a:solidFill>
@@ -22406,25 +22340,18 @@
                 <a14:m>
                   <m:oMath xmlns:m="http://schemas.openxmlformats.org/officeDocument/2006/math">
                     <m:r>
-                      <a:rPr lang="en-US" b="0" i="0" smtClean="0">
+                      <a:rPr lang="en-US" sz="4500" b="0" i="0" smtClean="0">
                         <a:latin typeface="Cambria Math" panose="02040503050406030204" pitchFamily="18" charset="0"/>
                         <a:sym typeface="Wingdings" panose="05000000000000000000" pitchFamily="2" charset="2"/>
                       </a:rPr>
-                      <m:t>     </m:t>
-                    </m:r>
-                    <m:r>
-                      <a:rPr lang="en-US" b="0" i="0" smtClean="0">
-                        <a:latin typeface="Cambria Math" panose="02040503050406030204" pitchFamily="18" charset="0"/>
-                        <a:sym typeface="Wingdings" panose="05000000000000000000" pitchFamily="2" charset="2"/>
-                      </a:rPr>
-                      <m:t>=</m:t>
+                      <m:t>     =</m:t>
                     </m:r>
                     <m:nary>
                       <m:naryPr>
                         <m:chr m:val="∑"/>
                         <m:limLoc m:val="subSup"/>
                         <m:ctrlPr>
-                          <a:rPr lang="en-US" i="1" smtClean="0">
+                          <a:rPr lang="en-US" sz="4500" i="1" smtClean="0">
                             <a:latin typeface="Cambria Math" panose="02040503050406030204" pitchFamily="18" charset="0"/>
                             <a:sym typeface="Wingdings" panose="05000000000000000000" pitchFamily="2" charset="2"/>
                           </a:rPr>
@@ -22435,14 +22362,14 @@
                           <m:rPr>
                             <m:brk m:alnAt="25"/>
                           </m:rPr>
-                          <a:rPr lang="en-US" b="0" i="1" smtClean="0">
+                          <a:rPr lang="en-US" sz="4500" b="0" i="1" smtClean="0">
                             <a:latin typeface="Cambria Math" panose="02040503050406030204" pitchFamily="18" charset="0"/>
                             <a:sym typeface="Wingdings" panose="05000000000000000000" pitchFamily="2" charset="2"/>
                           </a:rPr>
                           <m:t>𝑖</m:t>
                         </m:r>
                         <m:r>
-                          <a:rPr lang="en-US" b="0" i="1" smtClean="0">
+                          <a:rPr lang="en-US" sz="4500" b="0" i="1" smtClean="0">
                             <a:latin typeface="Cambria Math" panose="02040503050406030204" pitchFamily="18" charset="0"/>
                             <a:sym typeface="Wingdings" panose="05000000000000000000" pitchFamily="2" charset="2"/>
                           </a:rPr>
@@ -22451,7 +22378,7 @@
                       </m:sub>
                       <m:sup>
                         <m:r>
-                          <a:rPr lang="en-US" b="0" i="1" smtClean="0">
+                          <a:rPr lang="en-US" sz="4500" b="0" i="1" smtClean="0">
                             <a:latin typeface="Cambria Math" panose="02040503050406030204" pitchFamily="18" charset="0"/>
                             <a:sym typeface="Wingdings" panose="05000000000000000000" pitchFamily="2" charset="2"/>
                           </a:rPr>
@@ -22464,7 +22391,7 @@
                             <m:chr m:val="∑"/>
                             <m:limLoc m:val="subSup"/>
                             <m:ctrlPr>
-                              <a:rPr lang="en-US" b="0" i="1" smtClean="0">
+                              <a:rPr lang="en-US" sz="4500" b="0" i="1" smtClean="0">
                                 <a:latin typeface="Cambria Math" panose="02040503050406030204" pitchFamily="18" charset="0"/>
                                 <a:sym typeface="Wingdings" panose="05000000000000000000" pitchFamily="2" charset="2"/>
                               </a:rPr>
@@ -22475,14 +22402,14 @@
                               <m:rPr>
                                 <m:brk m:alnAt="25"/>
                               </m:rPr>
-                              <a:rPr lang="en-US" b="0" i="1" smtClean="0">
+                              <a:rPr lang="en-US" sz="4500" b="0" i="1" smtClean="0">
                                 <a:latin typeface="Cambria Math" panose="02040503050406030204" pitchFamily="18" charset="0"/>
                                 <a:sym typeface="Wingdings" panose="05000000000000000000" pitchFamily="2" charset="2"/>
                               </a:rPr>
                               <m:t>𝑗</m:t>
                             </m:r>
                             <m:r>
-                              <a:rPr lang="en-US" b="0" i="1" smtClean="0">
+                              <a:rPr lang="en-US" sz="4500" b="0" i="1" smtClean="0">
                                 <a:latin typeface="Cambria Math" panose="02040503050406030204" pitchFamily="18" charset="0"/>
                                 <a:sym typeface="Wingdings" panose="05000000000000000000" pitchFamily="2" charset="2"/>
                               </a:rPr>
@@ -22491,14 +22418,14 @@
                             <m:sSub>
                               <m:sSubPr>
                                 <m:ctrlPr>
-                                  <a:rPr lang="en-US" i="1">
+                                  <a:rPr lang="en-US" sz="4500" i="1">
                                     <a:latin typeface="Cambria Math" panose="02040503050406030204" pitchFamily="18" charset="0"/>
                                   </a:rPr>
                                 </m:ctrlPr>
                               </m:sSubPr>
                               <m:e>
                                 <m:r>
-                                  <a:rPr lang="en-US" i="1">
+                                  <a:rPr lang="en-US" sz="4500" i="1">
                                     <a:latin typeface="Cambria Math" panose="02040503050406030204" pitchFamily="18" charset="0"/>
                                   </a:rPr>
                                   <m:t>𝑢</m:t>
@@ -22506,7 +22433,7 @@
                               </m:e>
                               <m:sub>
                                 <m:r>
-                                  <a:rPr lang="en-US" i="1">
+                                  <a:rPr lang="en-US" sz="4500" i="1">
                                     <a:latin typeface="Cambria Math" panose="02040503050406030204" pitchFamily="18" charset="0"/>
                                   </a:rPr>
                                   <m:t>𝑖</m:t>
@@ -22514,7 +22441,7 @@
                               </m:sub>
                             </m:sSub>
                             <m:r>
-                              <a:rPr lang="en-US" b="0" i="1" smtClean="0">
+                              <a:rPr lang="en-US" sz="4500" b="0" i="1" smtClean="0">
                                 <a:latin typeface="Cambria Math" panose="02040503050406030204" pitchFamily="18" charset="0"/>
                               </a:rPr>
                               <m:t>+1</m:t>
@@ -22524,14 +22451,14 @@
                             <m:sSub>
                               <m:sSubPr>
                                 <m:ctrlPr>
-                                  <a:rPr lang="en-US" i="1">
+                                  <a:rPr lang="en-US" sz="4500" i="1">
                                     <a:latin typeface="Cambria Math" panose="02040503050406030204" pitchFamily="18" charset="0"/>
                                   </a:rPr>
                                 </m:ctrlPr>
                               </m:sSubPr>
                               <m:e>
                                 <m:r>
-                                  <a:rPr lang="en-US" i="1">
+                                  <a:rPr lang="en-US" sz="4500" i="1">
                                     <a:latin typeface="Cambria Math" panose="02040503050406030204" pitchFamily="18" charset="0"/>
                                   </a:rPr>
                                   <m:t>𝑢</m:t>
@@ -22539,13 +22466,13 @@
                               </m:e>
                               <m:sub>
                                 <m:r>
-                                  <a:rPr lang="en-US" i="1">
+                                  <a:rPr lang="en-US" sz="4500" i="1">
                                     <a:latin typeface="Cambria Math" panose="02040503050406030204" pitchFamily="18" charset="0"/>
                                   </a:rPr>
                                   <m:t>𝑖</m:t>
                                 </m:r>
                                 <m:r>
-                                  <a:rPr lang="en-US" i="1">
+                                  <a:rPr lang="en-US" sz="4500" i="1">
                                     <a:latin typeface="Cambria Math" panose="02040503050406030204" pitchFamily="18" charset="0"/>
                                   </a:rPr>
                                   <m:t>−1</m:t>
@@ -22557,7 +22484,7 @@
                             <m:f>
                               <m:fPr>
                                 <m:ctrlPr>
-                                  <a:rPr lang="en-US" i="1">
+                                  <a:rPr lang="en-US" sz="4500" i="1">
                                     <a:latin typeface="Cambria Math" panose="02040503050406030204" pitchFamily="18" charset="0"/>
                                     <a:ea typeface="Cambria Math" panose="02040503050406030204" pitchFamily="18" charset="0"/>
                                   </a:rPr>
@@ -22565,7 +22492,7 @@
                               </m:fPr>
                               <m:num>
                                 <m:r>
-                                  <a:rPr lang="en-US" i="1">
+                                  <a:rPr lang="en-US" sz="4500" i="1">
                                     <a:latin typeface="Cambria Math" panose="02040503050406030204" pitchFamily="18" charset="0"/>
                                     <a:ea typeface="Cambria Math" panose="02040503050406030204" pitchFamily="18" charset="0"/>
                                   </a:rPr>
@@ -22576,14 +22503,14 @@
                                 <m:sSub>
                                   <m:sSubPr>
                                     <m:ctrlPr>
-                                      <a:rPr lang="en-US" i="1">
+                                      <a:rPr lang="en-US" sz="4500" i="1">
                                         <a:latin typeface="Cambria Math" panose="02040503050406030204" pitchFamily="18" charset="0"/>
                                       </a:rPr>
                                     </m:ctrlPr>
                                   </m:sSubPr>
                                   <m:e>
                                     <m:r>
-                                      <a:rPr lang="en-US" i="1">
+                                      <a:rPr lang="en-US" sz="4500" i="1">
                                         <a:latin typeface="Cambria Math" panose="02040503050406030204" pitchFamily="18" charset="0"/>
                                       </a:rPr>
                                       <m:t>𝑢</m:t>
@@ -22591,13 +22518,13 @@
                                   </m:e>
                                   <m:sub>
                                     <m:r>
-                                      <a:rPr lang="en-US" i="1">
+                                      <a:rPr lang="en-US" sz="4500" i="1">
                                         <a:latin typeface="Cambria Math" panose="02040503050406030204" pitchFamily="18" charset="0"/>
                                       </a:rPr>
                                       <m:t>𝑖</m:t>
                                     </m:r>
                                     <m:r>
-                                      <a:rPr lang="en-US" i="1">
+                                      <a:rPr lang="en-US" sz="4500" i="1">
                                         <a:latin typeface="Cambria Math" panose="02040503050406030204" pitchFamily="18" charset="0"/>
                                       </a:rPr>
                                       <m:t>−1</m:t>
@@ -22612,7 +22539,7 @@
                     </m:nary>
                   </m:oMath>
                 </a14:m>
-                <a:endParaRPr lang="en-US" dirty="0">
+                <a:endParaRPr lang="en-US" sz="4500" dirty="0">
                   <a:solidFill>
                     <a:schemeClr val="accent1"/>
                   </a:solidFill>
@@ -22624,7 +22551,7 @@
                   <a:buNone/>
                 </a:pPr>
                 <a:r>
-                  <a:rPr lang="en-US" sz="2800" dirty="0">
+                  <a:rPr lang="en-US" sz="4500" dirty="0">
                     <a:solidFill>
                       <a:schemeClr val="tx1"/>
                     </a:solidFill>
@@ -22635,18 +22562,18 @@
                 <a14:m>
                   <m:oMath xmlns:m="http://schemas.openxmlformats.org/officeDocument/2006/math">
                     <m:r>
-                      <a:rPr lang="en-US" b="0" i="0" smtClean="0">
+                      <a:rPr lang="en-US" sz="4500" b="0" i="0" smtClean="0">
                         <a:latin typeface="Cambria Math" panose="02040503050406030204" pitchFamily="18" charset="0"/>
                         <a:sym typeface="Wingdings" panose="05000000000000000000" pitchFamily="2" charset="2"/>
                       </a:rPr>
-                      <m:t>                                                ≤</m:t>
+                      <m:t>                                          ≤</m:t>
                     </m:r>
                     <m:nary>
                       <m:naryPr>
                         <m:chr m:val="∑"/>
                         <m:limLoc m:val="subSup"/>
                         <m:ctrlPr>
-                          <a:rPr lang="en-US" i="1" smtClean="0">
+                          <a:rPr lang="en-US" sz="4500" i="1" smtClean="0">
                             <a:latin typeface="Cambria Math" panose="02040503050406030204" pitchFamily="18" charset="0"/>
                             <a:sym typeface="Wingdings" panose="05000000000000000000" pitchFamily="2" charset="2"/>
                           </a:rPr>
@@ -22657,14 +22584,14 @@
                           <m:rPr>
                             <m:brk m:alnAt="25"/>
                           </m:rPr>
-                          <a:rPr lang="en-US" b="0" i="1" smtClean="0">
+                          <a:rPr lang="en-US" sz="4500" b="0" i="1" smtClean="0">
                             <a:latin typeface="Cambria Math" panose="02040503050406030204" pitchFamily="18" charset="0"/>
                             <a:sym typeface="Wingdings" panose="05000000000000000000" pitchFamily="2" charset="2"/>
                           </a:rPr>
                           <m:t>𝑖</m:t>
                         </m:r>
                         <m:r>
-                          <a:rPr lang="en-US" b="0" i="1" smtClean="0">
+                          <a:rPr lang="en-US" sz="4500" b="0" i="1" smtClean="0">
                             <a:latin typeface="Cambria Math" panose="02040503050406030204" pitchFamily="18" charset="0"/>
                             <a:sym typeface="Wingdings" panose="05000000000000000000" pitchFamily="2" charset="2"/>
                           </a:rPr>
@@ -22673,7 +22600,7 @@
                       </m:sub>
                       <m:sup>
                         <m:r>
-                          <a:rPr lang="en-US" b="0" i="1" smtClean="0">
+                          <a:rPr lang="en-US" sz="4500" b="0" i="1" smtClean="0">
                             <a:latin typeface="Cambria Math" panose="02040503050406030204" pitchFamily="18" charset="0"/>
                             <a:sym typeface="Wingdings" panose="05000000000000000000" pitchFamily="2" charset="2"/>
                           </a:rPr>
@@ -22686,7 +22613,7 @@
                             <m:chr m:val="∑"/>
                             <m:limLoc m:val="subSup"/>
                             <m:ctrlPr>
-                              <a:rPr lang="en-US" b="0" i="1" smtClean="0">
+                              <a:rPr lang="en-US" sz="4500" b="0" i="1" smtClean="0">
                                 <a:latin typeface="Cambria Math" panose="02040503050406030204" pitchFamily="18" charset="0"/>
                                 <a:sym typeface="Wingdings" panose="05000000000000000000" pitchFamily="2" charset="2"/>
                               </a:rPr>
@@ -22697,14 +22624,14 @@
                               <m:rPr>
                                 <m:brk m:alnAt="25"/>
                               </m:rPr>
-                              <a:rPr lang="en-US" b="0" i="1" smtClean="0">
+                              <a:rPr lang="en-US" sz="4500" b="0" i="1" smtClean="0">
                                 <a:latin typeface="Cambria Math" panose="02040503050406030204" pitchFamily="18" charset="0"/>
                                 <a:sym typeface="Wingdings" panose="05000000000000000000" pitchFamily="2" charset="2"/>
                               </a:rPr>
                               <m:t>𝑗</m:t>
                             </m:r>
                             <m:r>
-                              <a:rPr lang="en-US" b="0" i="1" smtClean="0">
+                              <a:rPr lang="en-US" sz="4500" b="0" i="1" smtClean="0">
                                 <a:latin typeface="Cambria Math" panose="02040503050406030204" pitchFamily="18" charset="0"/>
                                 <a:sym typeface="Wingdings" panose="05000000000000000000" pitchFamily="2" charset="2"/>
                               </a:rPr>
@@ -22713,14 +22640,14 @@
                             <m:sSub>
                               <m:sSubPr>
                                 <m:ctrlPr>
-                                  <a:rPr lang="en-US" i="1">
+                                  <a:rPr lang="en-US" sz="4500" i="1">
                                     <a:latin typeface="Cambria Math" panose="02040503050406030204" pitchFamily="18" charset="0"/>
                                   </a:rPr>
                                 </m:ctrlPr>
                               </m:sSubPr>
                               <m:e>
                                 <m:r>
-                                  <a:rPr lang="en-US" i="1">
+                                  <a:rPr lang="en-US" sz="4500" i="1">
                                     <a:latin typeface="Cambria Math" panose="02040503050406030204" pitchFamily="18" charset="0"/>
                                   </a:rPr>
                                   <m:t>𝑢</m:t>
@@ -22728,7 +22655,7 @@
                               </m:e>
                               <m:sub>
                                 <m:r>
-                                  <a:rPr lang="en-US" i="1">
+                                  <a:rPr lang="en-US" sz="4500" i="1">
                                     <a:latin typeface="Cambria Math" panose="02040503050406030204" pitchFamily="18" charset="0"/>
                                   </a:rPr>
                                   <m:t>𝑖</m:t>
@@ -22736,7 +22663,7 @@
                               </m:sub>
                             </m:sSub>
                             <m:r>
-                              <a:rPr lang="en-US" b="0" i="1" smtClean="0">
+                              <a:rPr lang="en-US" sz="4500" b="0" i="1" smtClean="0">
                                 <a:latin typeface="Cambria Math" panose="02040503050406030204" pitchFamily="18" charset="0"/>
                               </a:rPr>
                               <m:t>+1</m:t>
@@ -22746,14 +22673,14 @@
                             <m:sSub>
                               <m:sSubPr>
                                 <m:ctrlPr>
-                                  <a:rPr lang="en-US" i="1">
+                                  <a:rPr lang="en-US" sz="4500" i="1">
                                     <a:latin typeface="Cambria Math" panose="02040503050406030204" pitchFamily="18" charset="0"/>
                                   </a:rPr>
                                 </m:ctrlPr>
                               </m:sSubPr>
                               <m:e>
                                 <m:r>
-                                  <a:rPr lang="en-US" i="1">
+                                  <a:rPr lang="en-US" sz="4500" i="1">
                                     <a:latin typeface="Cambria Math" panose="02040503050406030204" pitchFamily="18" charset="0"/>
                                   </a:rPr>
                                   <m:t>𝑢</m:t>
@@ -22761,13 +22688,13 @@
                               </m:e>
                               <m:sub>
                                 <m:r>
-                                  <a:rPr lang="en-US" i="1">
+                                  <a:rPr lang="en-US" sz="4500" i="1">
                                     <a:latin typeface="Cambria Math" panose="02040503050406030204" pitchFamily="18" charset="0"/>
                                   </a:rPr>
                                   <m:t>𝑖</m:t>
                                 </m:r>
                                 <m:r>
-                                  <a:rPr lang="en-US" i="1">
+                                  <a:rPr lang="en-US" sz="4500" i="1">
                                     <a:latin typeface="Cambria Math" panose="02040503050406030204" pitchFamily="18" charset="0"/>
                                   </a:rPr>
                                   <m:t>−1</m:t>
@@ -22779,7 +22706,7 @@
                             <m:f>
                               <m:fPr>
                                 <m:ctrlPr>
-                                  <a:rPr lang="en-US" i="1">
+                                  <a:rPr lang="en-US" sz="4500" i="1">
                                     <a:latin typeface="Cambria Math" panose="02040503050406030204" pitchFamily="18" charset="0"/>
                                     <a:ea typeface="Cambria Math" panose="02040503050406030204" pitchFamily="18" charset="0"/>
                                   </a:rPr>
@@ -22787,7 +22714,7 @@
                               </m:fPr>
                               <m:num>
                                 <m:r>
-                                  <a:rPr lang="en-US" i="1">
+                                  <a:rPr lang="en-US" sz="4500" i="1">
                                     <a:latin typeface="Cambria Math" panose="02040503050406030204" pitchFamily="18" charset="0"/>
                                     <a:ea typeface="Cambria Math" panose="02040503050406030204" pitchFamily="18" charset="0"/>
                                   </a:rPr>
@@ -22796,7 +22723,7 @@
                               </m:num>
                               <m:den>
                                 <m:r>
-                                  <a:rPr lang="en-US" b="0" i="1" smtClean="0">
+                                  <a:rPr lang="en-US" sz="4500" b="0" i="1" smtClean="0">
                                     <a:latin typeface="Cambria Math" panose="02040503050406030204" pitchFamily="18" charset="0"/>
                                   </a:rPr>
                                   <m:t>𝑗</m:t>
@@ -22810,25 +22737,34 @@
                   </m:oMath>
                 </a14:m>
                 <a:r>
-                  <a:rPr lang="en-US" dirty="0">
+                  <a:rPr lang="en-US" sz="4500" dirty="0">
                     <a:solidFill>
                       <a:schemeClr val="accent1"/>
                     </a:solidFill>
                     <a:sym typeface="Wingdings" panose="05000000000000000000" pitchFamily="2" charset="2"/>
                   </a:rPr>
-                  <a:t>          		  [</a:t>
+                  <a:t>          		</a:t>
+                </a:r>
+                <a:r>
+                  <a:rPr lang="en-US" sz="4500">
+                    <a:solidFill>
+                      <a:schemeClr val="accent1"/>
+                    </a:solidFill>
+                    <a:sym typeface="Wingdings" panose="05000000000000000000" pitchFamily="2" charset="2"/>
+                  </a:rPr>
+                  <a:t>  [</a:t>
                 </a:r>
                 <a14:m>
                   <m:oMath xmlns:m="http://schemas.openxmlformats.org/officeDocument/2006/math">
                     <m:r>
-                      <a:rPr lang="en-US" b="0" i="1" smtClean="0">
+                      <a:rPr lang="en-US" sz="4500" b="0" i="1" smtClean="0">
                         <a:latin typeface="Cambria Math" panose="02040503050406030204" pitchFamily="18" charset="0"/>
                         <a:ea typeface="Cambria Math" panose="02040503050406030204" pitchFamily="18" charset="0"/>
                       </a:rPr>
                       <m:t>𝑗</m:t>
                     </m:r>
                     <m:r>
-                      <a:rPr lang="en-US" b="0" i="1" smtClean="0">
+                      <a:rPr lang="en-US" sz="4500" b="0" i="1" smtClean="0">
                         <a:latin typeface="Cambria Math" panose="02040503050406030204" pitchFamily="18" charset="0"/>
                         <a:ea typeface="Cambria Math" panose="02040503050406030204" pitchFamily="18" charset="0"/>
                       </a:rPr>
@@ -22837,14 +22773,14 @@
                     <m:sSub>
                       <m:sSubPr>
                         <m:ctrlPr>
-                          <a:rPr lang="en-US" i="1">
+                          <a:rPr lang="en-US" sz="4500" i="1">
                             <a:latin typeface="Cambria Math" panose="02040503050406030204" pitchFamily="18" charset="0"/>
                           </a:rPr>
                         </m:ctrlPr>
                       </m:sSubPr>
                       <m:e>
                         <m:r>
-                          <a:rPr lang="en-US" i="1">
+                          <a:rPr lang="en-US" sz="4500" i="1">
                             <a:latin typeface="Cambria Math" panose="02040503050406030204" pitchFamily="18" charset="0"/>
                           </a:rPr>
                           <m:t>𝑢</m:t>
@@ -22852,13 +22788,13 @@
                       </m:e>
                       <m:sub>
                         <m:r>
-                          <a:rPr lang="en-US" i="1">
+                          <a:rPr lang="en-US" sz="4500" i="1">
                             <a:latin typeface="Cambria Math" panose="02040503050406030204" pitchFamily="18" charset="0"/>
                           </a:rPr>
                           <m:t>𝑖</m:t>
                         </m:r>
                         <m:r>
-                          <a:rPr lang="en-US" i="1">
+                          <a:rPr lang="en-US" sz="4500" i="1">
                             <a:latin typeface="Cambria Math" panose="02040503050406030204" pitchFamily="18" charset="0"/>
                           </a:rPr>
                           <m:t>−1</m:t>
@@ -22868,7 +22804,7 @@
                   </m:oMath>
                 </a14:m>
                 <a:r>
-                  <a:rPr lang="en-US" dirty="0">
+                  <a:rPr lang="en-US" sz="4500" dirty="0">
                     <a:solidFill>
                       <a:schemeClr val="accent1"/>
                     </a:solidFill>
@@ -22882,7 +22818,7 @@
                   <a:buNone/>
                 </a:pPr>
                 <a:r>
-                  <a:rPr lang="en-US" dirty="0">
+                  <a:rPr lang="en-US" sz="4500" dirty="0">
                     <a:solidFill>
                       <a:schemeClr val="accent1"/>
                     </a:solidFill>
@@ -22891,15 +22827,22 @@
                   <a:t>		   </a:t>
                 </a:r>
                 <a:r>
-                  <a:rPr lang="en-US" b="0" dirty="0">
+                  <a:rPr lang="en-US" sz="4500" b="0" dirty="0">
                     <a:sym typeface="Wingdings" panose="05000000000000000000" pitchFamily="2" charset="2"/>
                   </a:rPr>
-                  <a:t>  </a:t>
+                  <a:t>     </a:t>
                 </a:r>
                 <a14:m>
                   <m:oMath xmlns:m="http://schemas.openxmlformats.org/officeDocument/2006/math">
                     <m:r>
-                      <a:rPr lang="en-US">
+                      <a:rPr lang="en-US" sz="4500" b="0" i="0" smtClean="0">
+                        <a:latin typeface="Cambria Math" panose="02040503050406030204" pitchFamily="18" charset="0"/>
+                        <a:sym typeface="Wingdings" panose="05000000000000000000" pitchFamily="2" charset="2"/>
+                      </a:rPr>
+                      <m:t>   </m:t>
+                    </m:r>
+                    <m:r>
+                      <a:rPr lang="en-US" sz="4500">
                         <a:latin typeface="Cambria Math" panose="02040503050406030204" pitchFamily="18" charset="0"/>
                         <a:sym typeface="Wingdings" panose="05000000000000000000" pitchFamily="2" charset="2"/>
                       </a:rPr>
@@ -22910,7 +22853,7 @@
                         <m:chr m:val="∑"/>
                         <m:limLoc m:val="subSup"/>
                         <m:ctrlPr>
-                          <a:rPr lang="en-US" i="1" smtClean="0">
+                          <a:rPr lang="en-US" sz="4500" i="1" smtClean="0">
                             <a:latin typeface="Cambria Math" panose="02040503050406030204" pitchFamily="18" charset="0"/>
                             <a:sym typeface="Wingdings" panose="05000000000000000000" pitchFamily="2" charset="2"/>
                           </a:rPr>
@@ -22921,14 +22864,14 @@
                           <m:rPr>
                             <m:brk m:alnAt="25"/>
                           </m:rPr>
-                          <a:rPr lang="en-US" b="0" i="1" smtClean="0">
+                          <a:rPr lang="en-US" sz="4500" b="0" i="1" smtClean="0">
                             <a:latin typeface="Cambria Math" panose="02040503050406030204" pitchFamily="18" charset="0"/>
                             <a:sym typeface="Wingdings" panose="05000000000000000000" pitchFamily="2" charset="2"/>
                           </a:rPr>
                           <m:t>𝑖</m:t>
                         </m:r>
                         <m:r>
-                          <a:rPr lang="en-US" b="0" i="1" smtClean="0">
+                          <a:rPr lang="en-US" sz="4500" b="0" i="1" smtClean="0">
                             <a:latin typeface="Cambria Math" panose="02040503050406030204" pitchFamily="18" charset="0"/>
                             <a:sym typeface="Wingdings" panose="05000000000000000000" pitchFamily="2" charset="2"/>
                           </a:rPr>
@@ -22937,7 +22880,7 @@
                       </m:sub>
                       <m:sup>
                         <m:r>
-                          <a:rPr lang="en-US" b="0" i="1" smtClean="0">
+                          <a:rPr lang="en-US" sz="4500" b="0" i="1" smtClean="0">
                             <a:latin typeface="Cambria Math" panose="02040503050406030204" pitchFamily="18" charset="0"/>
                             <a:sym typeface="Wingdings" panose="05000000000000000000" pitchFamily="2" charset="2"/>
                           </a:rPr>
@@ -22946,7 +22889,7 @@
                       </m:sup>
                       <m:e>
                         <m:r>
-                          <a:rPr lang="en-US" b="0" i="1" smtClean="0">
+                          <a:rPr lang="en-US" sz="4500" b="0" i="1" smtClean="0">
                             <a:latin typeface="Cambria Math" panose="02040503050406030204" pitchFamily="18" charset="0"/>
                             <a:sym typeface="Wingdings" panose="05000000000000000000" pitchFamily="2" charset="2"/>
                           </a:rPr>
@@ -22957,7 +22900,7 @@
                             <m:chr m:val="∑"/>
                             <m:limLoc m:val="subSup"/>
                             <m:ctrlPr>
-                              <a:rPr lang="en-US" b="0" i="1" smtClean="0">
+                              <a:rPr lang="en-US" sz="4500" b="0" i="1" smtClean="0">
                                 <a:latin typeface="Cambria Math" panose="02040503050406030204" pitchFamily="18" charset="0"/>
                                 <a:sym typeface="Wingdings" panose="05000000000000000000" pitchFamily="2" charset="2"/>
                               </a:rPr>
@@ -22968,39 +22911,32 @@
                               <m:rPr>
                                 <m:brk m:alnAt="25"/>
                               </m:rPr>
-                              <a:rPr lang="en-US" b="0" i="1" smtClean="0">
+                              <a:rPr lang="en-US" sz="4500" b="0" i="1" smtClean="0">
                                 <a:latin typeface="Cambria Math" panose="02040503050406030204" pitchFamily="18" charset="0"/>
                                 <a:sym typeface="Wingdings" panose="05000000000000000000" pitchFamily="2" charset="2"/>
                               </a:rPr>
                               <m:t>𝑗</m:t>
                             </m:r>
                             <m:r>
-                              <a:rPr lang="en-US" b="0" i="1" smtClean="0">
+                              <a:rPr lang="en-US" sz="4500" b="0" i="1" smtClean="0">
                                 <a:latin typeface="Cambria Math" panose="02040503050406030204" pitchFamily="18" charset="0"/>
                                 <a:sym typeface="Wingdings" panose="05000000000000000000" pitchFamily="2" charset="2"/>
                               </a:rPr>
-                              <m:t>=</m:t>
-                            </m:r>
-                            <m:r>
-                              <a:rPr lang="en-US" b="0" i="1" smtClean="0">
-                                <a:latin typeface="Cambria Math" panose="02040503050406030204" pitchFamily="18" charset="0"/>
-                                <a:sym typeface="Wingdings" panose="05000000000000000000" pitchFamily="2" charset="2"/>
-                              </a:rPr>
-                              <m:t>1</m:t>
+                              <m:t>=1</m:t>
                             </m:r>
                           </m:sub>
                           <m:sup>
                             <m:sSub>
                               <m:sSubPr>
                                 <m:ctrlPr>
-                                  <a:rPr lang="en-US" i="1">
+                                  <a:rPr lang="en-US" sz="4500" i="1">
                                     <a:latin typeface="Cambria Math" panose="02040503050406030204" pitchFamily="18" charset="0"/>
                                   </a:rPr>
                                 </m:ctrlPr>
                               </m:sSubPr>
                               <m:e>
                                 <m:r>
-                                  <a:rPr lang="en-US" i="1">
+                                  <a:rPr lang="en-US" sz="4500" i="1">
                                     <a:latin typeface="Cambria Math" panose="02040503050406030204" pitchFamily="18" charset="0"/>
                                   </a:rPr>
                                   <m:t>𝑢</m:t>
@@ -23008,13 +22944,13 @@
                               </m:e>
                               <m:sub>
                                 <m:r>
-                                  <a:rPr lang="en-US" i="1">
+                                  <a:rPr lang="en-US" sz="4500" i="1">
                                     <a:latin typeface="Cambria Math" panose="02040503050406030204" pitchFamily="18" charset="0"/>
                                   </a:rPr>
                                   <m:t>𝑖</m:t>
                                 </m:r>
                                 <m:r>
-                                  <a:rPr lang="en-US" i="1">
+                                  <a:rPr lang="en-US" sz="4500" i="1">
                                     <a:latin typeface="Cambria Math" panose="02040503050406030204" pitchFamily="18" charset="0"/>
                                   </a:rPr>
                                   <m:t>−1</m:t>
@@ -23026,7 +22962,7 @@
                             <m:f>
                               <m:fPr>
                                 <m:ctrlPr>
-                                  <a:rPr lang="en-US" i="1">
+                                  <a:rPr lang="en-US" sz="4500" i="1">
                                     <a:latin typeface="Cambria Math" panose="02040503050406030204" pitchFamily="18" charset="0"/>
                                     <a:ea typeface="Cambria Math" panose="02040503050406030204" pitchFamily="18" charset="0"/>
                                   </a:rPr>
@@ -23034,7 +22970,7 @@
                               </m:fPr>
                               <m:num>
                                 <m:r>
-                                  <a:rPr lang="en-US" i="1">
+                                  <a:rPr lang="en-US" sz="4500" i="1">
                                     <a:latin typeface="Cambria Math" panose="02040503050406030204" pitchFamily="18" charset="0"/>
                                     <a:ea typeface="Cambria Math" panose="02040503050406030204" pitchFamily="18" charset="0"/>
                                   </a:rPr>
@@ -23043,7 +22979,7 @@
                               </m:num>
                               <m:den>
                                 <m:r>
-                                  <a:rPr lang="en-US" b="0" i="1" smtClean="0">
+                                  <a:rPr lang="en-US" sz="4500" b="0" i="1" smtClean="0">
                                     <a:latin typeface="Cambria Math" panose="02040503050406030204" pitchFamily="18" charset="0"/>
                                   </a:rPr>
                                   <m:t>𝑗</m:t>
@@ -23051,7 +22987,7 @@
                               </m:den>
                             </m:f>
                             <m:r>
-                              <a:rPr lang="en-US" b="0" i="1" smtClean="0">
+                              <a:rPr lang="en-US" sz="4500" b="0" i="1" smtClean="0">
                                 <a:latin typeface="Cambria Math" panose="02040503050406030204" pitchFamily="18" charset="0"/>
                               </a:rPr>
                               <m:t>−</m:t>
@@ -23061,7 +22997,7 @@
                                 <m:chr m:val="∑"/>
                                 <m:limLoc m:val="subSup"/>
                                 <m:ctrlPr>
-                                  <a:rPr lang="en-US" i="1">
+                                  <a:rPr lang="en-US" sz="4500" i="1">
                                     <a:latin typeface="Cambria Math" panose="02040503050406030204" pitchFamily="18" charset="0"/>
                                     <a:sym typeface="Wingdings" panose="05000000000000000000" pitchFamily="2" charset="2"/>
                                   </a:rPr>
@@ -23072,14 +23008,14 @@
                                   <m:rPr>
                                     <m:brk m:alnAt="25"/>
                                   </m:rPr>
-                                  <a:rPr lang="en-US" i="1">
+                                  <a:rPr lang="en-US" sz="4500" i="1">
                                     <a:latin typeface="Cambria Math" panose="02040503050406030204" pitchFamily="18" charset="0"/>
                                     <a:sym typeface="Wingdings" panose="05000000000000000000" pitchFamily="2" charset="2"/>
                                   </a:rPr>
                                   <m:t>𝑗</m:t>
                                 </m:r>
                                 <m:r>
-                                  <a:rPr lang="en-US" i="1">
+                                  <a:rPr lang="en-US" sz="4500" i="1">
                                     <a:latin typeface="Cambria Math" panose="02040503050406030204" pitchFamily="18" charset="0"/>
                                     <a:sym typeface="Wingdings" panose="05000000000000000000" pitchFamily="2" charset="2"/>
                                   </a:rPr>
@@ -23090,14 +23026,14 @@
                                 <m:sSub>
                                   <m:sSubPr>
                                     <m:ctrlPr>
-                                      <a:rPr lang="en-US" i="1">
+                                      <a:rPr lang="en-US" sz="4500" i="1">
                                         <a:latin typeface="Cambria Math" panose="02040503050406030204" pitchFamily="18" charset="0"/>
                                       </a:rPr>
                                     </m:ctrlPr>
                                   </m:sSubPr>
                                   <m:e>
                                     <m:r>
-                                      <a:rPr lang="en-US" i="1">
+                                      <a:rPr lang="en-US" sz="4500" i="1">
                                         <a:latin typeface="Cambria Math" panose="02040503050406030204" pitchFamily="18" charset="0"/>
                                       </a:rPr>
                                       <m:t>𝑢</m:t>
@@ -23105,7 +23041,7 @@
                                   </m:e>
                                   <m:sub>
                                     <m:r>
-                                      <a:rPr lang="en-US" i="1">
+                                      <a:rPr lang="en-US" sz="4500" i="1">
                                         <a:latin typeface="Cambria Math" panose="02040503050406030204" pitchFamily="18" charset="0"/>
                                       </a:rPr>
                                       <m:t>𝑖</m:t>
@@ -23117,7 +23053,7 @@
                                 <m:f>
                                   <m:fPr>
                                     <m:ctrlPr>
-                                      <a:rPr lang="en-US" i="1">
+                                      <a:rPr lang="en-US" sz="4500" i="1">
                                         <a:latin typeface="Cambria Math" panose="02040503050406030204" pitchFamily="18" charset="0"/>
                                         <a:ea typeface="Cambria Math" panose="02040503050406030204" pitchFamily="18" charset="0"/>
                                       </a:rPr>
@@ -23125,7 +23061,7 @@
                                   </m:fPr>
                                   <m:num>
                                     <m:r>
-                                      <a:rPr lang="en-US" i="1">
+                                      <a:rPr lang="en-US" sz="4500" i="1">
                                         <a:latin typeface="Cambria Math" panose="02040503050406030204" pitchFamily="18" charset="0"/>
                                         <a:ea typeface="Cambria Math" panose="02040503050406030204" pitchFamily="18" charset="0"/>
                                       </a:rPr>
@@ -23134,7 +23070,7 @@
                                   </m:num>
                                   <m:den>
                                     <m:r>
-                                      <a:rPr lang="en-US" i="1">
+                                      <a:rPr lang="en-US" sz="4500" i="1">
                                         <a:latin typeface="Cambria Math" panose="02040503050406030204" pitchFamily="18" charset="0"/>
                                       </a:rPr>
                                       <m:t>𝑗</m:t>
@@ -23144,7 +23080,7 @@
                               </m:e>
                             </m:nary>
                             <m:r>
-                              <a:rPr lang="en-US" b="0" i="1" smtClean="0">
+                              <a:rPr lang="en-US" sz="4500" b="0" i="1" smtClean="0">
                                 <a:latin typeface="Cambria Math" panose="02040503050406030204" pitchFamily="18" charset="0"/>
                               </a:rPr>
                               <m:t>)</m:t>
@@ -23155,7 +23091,7 @@
                     </m:nary>
                   </m:oMath>
                 </a14:m>
-                <a:endParaRPr lang="en-US" b="0" i="1" dirty="0">
+                <a:endParaRPr lang="en-US" sz="4500" b="0" i="1" dirty="0">
                   <a:latin typeface="Cambria Math" panose="02040503050406030204" pitchFamily="18" charset="0"/>
                 </a:endParaRPr>
               </a:p>
@@ -23164,7 +23100,7 @@
                   <a:buNone/>
                 </a:pPr>
                 <a:r>
-                  <a:rPr lang="en-US" dirty="0">
+                  <a:rPr lang="en-US" sz="4500" dirty="0">
                     <a:sym typeface="Wingdings" panose="05000000000000000000" pitchFamily="2" charset="2"/>
                   </a:rPr>
                   <a:t>                                   </a:t>
@@ -23172,14 +23108,21 @@
                 <a14:m>
                   <m:oMath xmlns:m="http://schemas.openxmlformats.org/officeDocument/2006/math">
                     <m:r>
-                      <a:rPr lang="en-US" b="0" i="0" smtClean="0">
+                      <a:rPr lang="en-US" sz="4500" b="0" i="0" smtClean="0">
                         <a:latin typeface="Cambria Math" panose="02040503050406030204" pitchFamily="18" charset="0"/>
                         <a:sym typeface="Wingdings" panose="05000000000000000000" pitchFamily="2" charset="2"/>
                       </a:rPr>
-                      <m:t>              </m:t>
-                    </m:r>
-                    <m:r>
-                      <a:rPr lang="en-US" smtClean="0">
+                      <m:t>      </m:t>
+                    </m:r>
+                    <m:r>
+                      <a:rPr lang="en-US" sz="4500" b="0" i="0" smtClean="0">
+                        <a:latin typeface="Cambria Math" panose="02040503050406030204" pitchFamily="18" charset="0"/>
+                        <a:sym typeface="Wingdings" panose="05000000000000000000" pitchFamily="2" charset="2"/>
+                      </a:rPr>
+                      <m:t> </m:t>
+                    </m:r>
+                    <m:r>
+                      <a:rPr lang="en-US" sz="4500" smtClean="0">
                         <a:latin typeface="Cambria Math" panose="02040503050406030204" pitchFamily="18" charset="0"/>
                         <a:sym typeface="Wingdings" panose="05000000000000000000" pitchFamily="2" charset="2"/>
                       </a:rPr>
@@ -23190,7 +23133,7 @@
                         <m:chr m:val="∑"/>
                         <m:limLoc m:val="subSup"/>
                         <m:ctrlPr>
-                          <a:rPr lang="en-US" i="1" smtClean="0">
+                          <a:rPr lang="en-US" sz="4500" i="1" smtClean="0">
                             <a:latin typeface="Cambria Math" panose="02040503050406030204" pitchFamily="18" charset="0"/>
                             <a:sym typeface="Wingdings" panose="05000000000000000000" pitchFamily="2" charset="2"/>
                           </a:rPr>
@@ -23201,14 +23144,14 @@
                           <m:rPr>
                             <m:brk m:alnAt="25"/>
                           </m:rPr>
-                          <a:rPr lang="en-US" b="0" i="1" smtClean="0">
+                          <a:rPr lang="en-US" sz="4500" b="0" i="1" smtClean="0">
                             <a:latin typeface="Cambria Math" panose="02040503050406030204" pitchFamily="18" charset="0"/>
                             <a:sym typeface="Wingdings" panose="05000000000000000000" pitchFamily="2" charset="2"/>
                           </a:rPr>
                           <m:t>𝑖</m:t>
                         </m:r>
                         <m:r>
-                          <a:rPr lang="en-US" b="0" i="1" smtClean="0">
+                          <a:rPr lang="en-US" sz="4500" b="0" i="1" smtClean="0">
                             <a:latin typeface="Cambria Math" panose="02040503050406030204" pitchFamily="18" charset="0"/>
                             <a:sym typeface="Wingdings" panose="05000000000000000000" pitchFamily="2" charset="2"/>
                           </a:rPr>
@@ -23217,7 +23160,7 @@
                       </m:sub>
                       <m:sup>
                         <m:r>
-                          <a:rPr lang="en-US" b="0" i="1" smtClean="0">
+                          <a:rPr lang="en-US" sz="4500" b="0" i="1" smtClean="0">
                             <a:latin typeface="Cambria Math" panose="02040503050406030204" pitchFamily="18" charset="0"/>
                             <a:sym typeface="Wingdings" panose="05000000000000000000" pitchFamily="2" charset="2"/>
                           </a:rPr>
@@ -23226,14 +23169,14 @@
                       </m:sup>
                       <m:e>
                         <m:r>
-                          <a:rPr lang="en-US" b="0" i="1" smtClean="0">
+                          <a:rPr lang="en-US" sz="4500" b="0" i="1" smtClean="0">
                             <a:latin typeface="Cambria Math" panose="02040503050406030204" pitchFamily="18" charset="0"/>
                             <a:sym typeface="Wingdings" panose="05000000000000000000" pitchFamily="2" charset="2"/>
                           </a:rPr>
                           <m:t>(</m:t>
                         </m:r>
                         <m:r>
-                          <a:rPr lang="en-US" b="0" i="1" smtClean="0">
+                          <a:rPr lang="en-US" sz="4500" b="0" i="1" smtClean="0">
                             <a:latin typeface="Cambria Math" panose="02040503050406030204" pitchFamily="18" charset="0"/>
                             <a:sym typeface="Wingdings" panose="05000000000000000000" pitchFamily="2" charset="2"/>
                           </a:rPr>
@@ -23242,7 +23185,7 @@
                         <m:d>
                           <m:dPr>
                             <m:ctrlPr>
-                              <a:rPr lang="en-US" b="0" i="1" smtClean="0">
+                              <a:rPr lang="en-US" sz="4500" b="0" i="1" smtClean="0">
                                 <a:latin typeface="Cambria Math" panose="02040503050406030204" pitchFamily="18" charset="0"/>
                                 <a:sym typeface="Wingdings" panose="05000000000000000000" pitchFamily="2" charset="2"/>
                               </a:rPr>
@@ -23252,14 +23195,14 @@
                             <m:sSub>
                               <m:sSubPr>
                                 <m:ctrlPr>
-                                  <a:rPr lang="en-US" i="1">
+                                  <a:rPr lang="en-US" sz="4500" i="1">
                                     <a:latin typeface="Cambria Math" panose="02040503050406030204" pitchFamily="18" charset="0"/>
                                   </a:rPr>
                                 </m:ctrlPr>
                               </m:sSubPr>
                               <m:e>
                                 <m:r>
-                                  <a:rPr lang="en-US" i="1">
+                                  <a:rPr lang="en-US" sz="4500" i="1">
                                     <a:latin typeface="Cambria Math" panose="02040503050406030204" pitchFamily="18" charset="0"/>
                                   </a:rPr>
                                   <m:t>𝑢</m:t>
@@ -23267,13 +23210,13 @@
                               </m:e>
                               <m:sub>
                                 <m:r>
-                                  <a:rPr lang="en-US" i="1">
+                                  <a:rPr lang="en-US" sz="4500" i="1">
                                     <a:latin typeface="Cambria Math" panose="02040503050406030204" pitchFamily="18" charset="0"/>
                                   </a:rPr>
                                   <m:t>𝑖</m:t>
                                 </m:r>
                                 <m:r>
-                                  <a:rPr lang="en-US" i="1">
+                                  <a:rPr lang="en-US" sz="4500" i="1">
                                     <a:latin typeface="Cambria Math" panose="02040503050406030204" pitchFamily="18" charset="0"/>
                                   </a:rPr>
                                   <m:t>−1</m:t>
@@ -23283,14 +23226,14 @@
                           </m:e>
                         </m:d>
                         <m:r>
-                          <a:rPr lang="en-US" b="0" i="1" smtClean="0">
+                          <a:rPr lang="en-US" sz="4500" b="0" i="1" smtClean="0">
                             <a:latin typeface="Cambria Math" panose="02040503050406030204" pitchFamily="18" charset="0"/>
                             <a:sym typeface="Wingdings" panose="05000000000000000000" pitchFamily="2" charset="2"/>
                           </a:rPr>
                           <m:t>−</m:t>
                         </m:r>
                         <m:r>
-                          <a:rPr lang="en-US" b="0" i="1" smtClean="0">
+                          <a:rPr lang="en-US" sz="4500" b="0" i="1" smtClean="0">
                             <a:latin typeface="Cambria Math" panose="02040503050406030204" pitchFamily="18" charset="0"/>
                             <a:sym typeface="Wingdings" panose="05000000000000000000" pitchFamily="2" charset="2"/>
                           </a:rPr>
@@ -23299,7 +23242,7 @@
                         <m:d>
                           <m:dPr>
                             <m:ctrlPr>
-                              <a:rPr lang="en-US" b="0" i="1" smtClean="0">
+                              <a:rPr lang="en-US" sz="4500" b="0" i="1" smtClean="0">
                                 <a:latin typeface="Cambria Math" panose="02040503050406030204" pitchFamily="18" charset="0"/>
                                 <a:sym typeface="Wingdings" panose="05000000000000000000" pitchFamily="2" charset="2"/>
                               </a:rPr>
@@ -23309,14 +23252,14 @@
                             <m:sSub>
                               <m:sSubPr>
                                 <m:ctrlPr>
-                                  <a:rPr lang="en-US" i="1">
+                                  <a:rPr lang="en-US" sz="4500" i="1">
                                     <a:latin typeface="Cambria Math" panose="02040503050406030204" pitchFamily="18" charset="0"/>
                                   </a:rPr>
                                 </m:ctrlPr>
                               </m:sSubPr>
                               <m:e>
                                 <m:r>
-                                  <a:rPr lang="en-US" i="1">
+                                  <a:rPr lang="en-US" sz="4500" i="1">
                                     <a:latin typeface="Cambria Math" panose="02040503050406030204" pitchFamily="18" charset="0"/>
                                   </a:rPr>
                                   <m:t>𝑢</m:t>
@@ -23324,7 +23267,7 @@
                               </m:e>
                               <m:sub>
                                 <m:r>
-                                  <a:rPr lang="en-US" i="1">
+                                  <a:rPr lang="en-US" sz="4500" i="1">
                                     <a:latin typeface="Cambria Math" panose="02040503050406030204" pitchFamily="18" charset="0"/>
                                   </a:rPr>
                                   <m:t>𝑖</m:t>
@@ -23334,7 +23277,7 @@
                           </m:e>
                         </m:d>
                         <m:r>
-                          <a:rPr lang="en-US" b="0" i="1" smtClean="0">
+                          <a:rPr lang="en-US" sz="4500" b="0" i="1" smtClean="0">
                             <a:latin typeface="Cambria Math" panose="02040503050406030204" pitchFamily="18" charset="0"/>
                             <a:sym typeface="Wingdings" panose="05000000000000000000" pitchFamily="2" charset="2"/>
                           </a:rPr>
@@ -23344,7 +23287,7 @@
                     </m:nary>
                   </m:oMath>
                 </a14:m>
-                <a:endParaRPr lang="en-US" dirty="0">
+                <a:endParaRPr lang="en-US" sz="4500" dirty="0">
                   <a:solidFill>
                     <a:schemeClr val="accent1"/>
                   </a:solidFill>
@@ -23356,22 +23299,29 @@
                   <a:buNone/>
                 </a:pPr>
                 <a:r>
-                  <a:rPr lang="en-US" dirty="0">
+                  <a:rPr lang="en-US" sz="4500" dirty="0">
                     <a:sym typeface="Wingdings" panose="05000000000000000000" pitchFamily="2" charset="2"/>
                   </a:rPr>
-                  <a:t>		     </a:t>
+                  <a:t>		        </a:t>
                 </a:r>
                 <a14:m>
                   <m:oMath xmlns:m="http://schemas.openxmlformats.org/officeDocument/2006/math">
                     <m:r>
-                      <a:rPr lang="en-US" smtClean="0">
+                      <a:rPr lang="en-US" sz="4500" b="0" i="0" smtClean="0">
                         <a:latin typeface="Cambria Math" panose="02040503050406030204" pitchFamily="18" charset="0"/>
                         <a:sym typeface="Wingdings" panose="05000000000000000000" pitchFamily="2" charset="2"/>
                       </a:rPr>
+                      <m:t>   </m:t>
+                    </m:r>
+                    <m:r>
+                      <a:rPr lang="en-US" sz="4500" smtClean="0">
+                        <a:latin typeface="Cambria Math" panose="02040503050406030204" pitchFamily="18" charset="0"/>
+                        <a:sym typeface="Wingdings" panose="05000000000000000000" pitchFamily="2" charset="2"/>
+                      </a:rPr>
                       <m:t>=</m:t>
                     </m:r>
                     <m:r>
-                      <a:rPr lang="en-US" b="0" i="1" smtClean="0">
+                      <a:rPr lang="en-US" sz="4500" b="0" i="1" smtClean="0">
                         <a:latin typeface="Cambria Math" panose="02040503050406030204" pitchFamily="18" charset="0"/>
                         <a:sym typeface="Wingdings" panose="05000000000000000000" pitchFamily="2" charset="2"/>
                       </a:rPr>
@@ -23380,7 +23330,7 @@
                     <m:d>
                       <m:dPr>
                         <m:ctrlPr>
-                          <a:rPr lang="en-US" b="0" i="1" smtClean="0">
+                          <a:rPr lang="en-US" sz="4500" b="0" i="1" smtClean="0">
                             <a:latin typeface="Cambria Math" panose="02040503050406030204" pitchFamily="18" charset="0"/>
                             <a:sym typeface="Wingdings" panose="05000000000000000000" pitchFamily="2" charset="2"/>
                           </a:rPr>
@@ -23390,7 +23340,7 @@
                         <m:sSub>
                           <m:sSubPr>
                             <m:ctrlPr>
-                              <a:rPr lang="en-US" b="0" i="1" smtClean="0">
+                              <a:rPr lang="en-US" sz="4500" b="0" i="1" smtClean="0">
                                 <a:latin typeface="Cambria Math" panose="02040503050406030204" pitchFamily="18" charset="0"/>
                                 <a:sym typeface="Wingdings" panose="05000000000000000000" pitchFamily="2" charset="2"/>
                               </a:rPr>
@@ -23398,7 +23348,7 @@
                           </m:sSubPr>
                           <m:e>
                             <m:r>
-                              <a:rPr lang="en-US" b="0" i="1" smtClean="0">
+                              <a:rPr lang="en-US" sz="4500" b="0" i="1" smtClean="0">
                                 <a:latin typeface="Cambria Math" panose="02040503050406030204" pitchFamily="18" charset="0"/>
                                 <a:sym typeface="Wingdings" panose="05000000000000000000" pitchFamily="2" charset="2"/>
                               </a:rPr>
@@ -23407,7 +23357,7 @@
                           </m:e>
                           <m:sub>
                             <m:r>
-                              <a:rPr lang="en-US" b="0" i="1" smtClean="0">
+                              <a:rPr lang="en-US" sz="4500" b="0" i="1" smtClean="0">
                                 <a:latin typeface="Cambria Math" panose="02040503050406030204" pitchFamily="18" charset="0"/>
                                 <a:sym typeface="Wingdings" panose="05000000000000000000" pitchFamily="2" charset="2"/>
                               </a:rPr>
@@ -23418,21 +23368,21 @@
                       </m:e>
                     </m:d>
                     <m:r>
-                      <a:rPr lang="en-US" b="0" i="1" smtClean="0">
+                      <a:rPr lang="en-US" sz="4500" b="0" i="1" smtClean="0">
                         <a:latin typeface="Cambria Math" panose="02040503050406030204" pitchFamily="18" charset="0"/>
                         <a:sym typeface="Wingdings" panose="05000000000000000000" pitchFamily="2" charset="2"/>
                       </a:rPr>
                       <m:t>−</m:t>
                     </m:r>
                     <m:r>
-                      <a:rPr lang="en-US" b="0" i="1" smtClean="0">
+                      <a:rPr lang="en-US" sz="4500" b="0" i="1" smtClean="0">
                         <a:latin typeface="Cambria Math" panose="02040503050406030204" pitchFamily="18" charset="0"/>
                         <a:sym typeface="Wingdings" panose="05000000000000000000" pitchFamily="2" charset="2"/>
                       </a:rPr>
                       <m:t>𝐻</m:t>
                     </m:r>
                     <m:r>
-                      <a:rPr lang="en-US" b="0" i="1" smtClean="0">
+                      <a:rPr lang="en-US" sz="4500" b="0" i="1" smtClean="0">
                         <a:latin typeface="Cambria Math" panose="02040503050406030204" pitchFamily="18" charset="0"/>
                         <a:sym typeface="Wingdings" panose="05000000000000000000" pitchFamily="2" charset="2"/>
                       </a:rPr>
@@ -23441,7 +23391,7 @@
                     <m:sSub>
                       <m:sSubPr>
                         <m:ctrlPr>
-                          <a:rPr lang="en-US" b="0" i="1" smtClean="0">
+                          <a:rPr lang="en-US" sz="4500" b="0" i="1" smtClean="0">
                             <a:latin typeface="Cambria Math" panose="02040503050406030204" pitchFamily="18" charset="0"/>
                             <a:sym typeface="Wingdings" panose="05000000000000000000" pitchFamily="2" charset="2"/>
                           </a:rPr>
@@ -23449,7 +23399,7 @@
                       </m:sSubPr>
                       <m:e>
                         <m:r>
-                          <a:rPr lang="en-US" b="0" i="1" smtClean="0">
+                          <a:rPr lang="en-US" sz="4500" b="0" i="1" smtClean="0">
                             <a:latin typeface="Cambria Math" panose="02040503050406030204" pitchFamily="18" charset="0"/>
                             <a:sym typeface="Wingdings" panose="05000000000000000000" pitchFamily="2" charset="2"/>
                           </a:rPr>
@@ -23458,7 +23408,7 @@
                       </m:e>
                       <m:sub>
                         <m:r>
-                          <a:rPr lang="en-US" b="0" i="1" smtClean="0">
+                          <a:rPr lang="en-US" sz="4500" b="0" i="1" smtClean="0">
                             <a:latin typeface="Cambria Math" panose="02040503050406030204" pitchFamily="18" charset="0"/>
                             <a:sym typeface="Wingdings" panose="05000000000000000000" pitchFamily="2" charset="2"/>
                           </a:rPr>
@@ -23467,7 +23417,7 @@
                       </m:sub>
                     </m:sSub>
                     <m:r>
-                      <a:rPr lang="en-US" b="0" i="1" smtClean="0">
+                      <a:rPr lang="en-US" sz="4500" b="0" i="1" smtClean="0">
                         <a:latin typeface="Cambria Math" panose="02040503050406030204" pitchFamily="18" charset="0"/>
                         <a:sym typeface="Wingdings" panose="05000000000000000000" pitchFamily="2" charset="2"/>
                       </a:rPr>
@@ -23475,7 +23425,7 @@
                     </m:r>
                   </m:oMath>
                 </a14:m>
-                <a:endParaRPr lang="en-US" i="1" dirty="0">
+                <a:endParaRPr lang="en-US" sz="4500" i="1" dirty="0">
                   <a:solidFill>
                     <a:schemeClr val="accent1"/>
                   </a:solidFill>
@@ -23487,22 +23437,29 @@
                   <a:buNone/>
                 </a:pPr>
                 <a:r>
-                  <a:rPr lang="en-US" dirty="0">
+                  <a:rPr lang="en-US" sz="4500" dirty="0">
                     <a:sym typeface="Wingdings" panose="05000000000000000000" pitchFamily="2" charset="2"/>
                   </a:rPr>
-                  <a:t>		     </a:t>
+                  <a:t>		        </a:t>
                 </a:r>
                 <a14:m>
                   <m:oMath xmlns:m="http://schemas.openxmlformats.org/officeDocument/2006/math">
                     <m:r>
-                      <a:rPr lang="en-US" smtClean="0">
+                      <a:rPr lang="en-US" sz="4500" b="0" i="0" smtClean="0">
                         <a:latin typeface="Cambria Math" panose="02040503050406030204" pitchFamily="18" charset="0"/>
                         <a:sym typeface="Wingdings" panose="05000000000000000000" pitchFamily="2" charset="2"/>
                       </a:rPr>
+                      <m:t>   </m:t>
+                    </m:r>
+                    <m:r>
+                      <a:rPr lang="en-US" sz="4500" smtClean="0">
+                        <a:latin typeface="Cambria Math" panose="02040503050406030204" pitchFamily="18" charset="0"/>
+                        <a:sym typeface="Wingdings" panose="05000000000000000000" pitchFamily="2" charset="2"/>
+                      </a:rPr>
                       <m:t>=</m:t>
                     </m:r>
                     <m:r>
-                      <a:rPr lang="en-US" b="0" i="1" smtClean="0">
+                      <a:rPr lang="en-US" sz="4500" b="0" i="1" smtClean="0">
                         <a:latin typeface="Cambria Math" panose="02040503050406030204" pitchFamily="18" charset="0"/>
                         <a:sym typeface="Wingdings" panose="05000000000000000000" pitchFamily="2" charset="2"/>
                       </a:rPr>
@@ -23511,7 +23468,7 @@
                     <m:d>
                       <m:dPr>
                         <m:ctrlPr>
-                          <a:rPr lang="en-US" b="0" i="1" smtClean="0">
+                          <a:rPr lang="en-US" sz="4500" b="0" i="1" smtClean="0">
                             <a:latin typeface="Cambria Math" panose="02040503050406030204" pitchFamily="18" charset="0"/>
                             <a:sym typeface="Wingdings" panose="05000000000000000000" pitchFamily="2" charset="2"/>
                           </a:rPr>
@@ -23521,7 +23478,7 @@
                         <m:sSub>
                           <m:sSubPr>
                             <m:ctrlPr>
-                              <a:rPr lang="en-US" b="0" i="1" smtClean="0">
+                              <a:rPr lang="en-US" sz="4500" b="0" i="1" smtClean="0">
                                 <a:latin typeface="Cambria Math" panose="02040503050406030204" pitchFamily="18" charset="0"/>
                                 <a:sym typeface="Wingdings" panose="05000000000000000000" pitchFamily="2" charset="2"/>
                               </a:rPr>
@@ -23529,7 +23486,7 @@
                           </m:sSubPr>
                           <m:e>
                             <m:r>
-                              <a:rPr lang="en-US" b="0" i="1" smtClean="0">
+                              <a:rPr lang="en-US" sz="4500" b="0" i="1" smtClean="0">
                                 <a:latin typeface="Cambria Math" panose="02040503050406030204" pitchFamily="18" charset="0"/>
                                 <a:sym typeface="Wingdings" panose="05000000000000000000" pitchFamily="2" charset="2"/>
                               </a:rPr>
@@ -23538,7 +23495,7 @@
                           </m:e>
                           <m:sub>
                             <m:r>
-                              <a:rPr lang="en-US" b="0" i="1" smtClean="0">
+                              <a:rPr lang="en-US" sz="4500" b="0" i="1" smtClean="0">
                                 <a:latin typeface="Cambria Math" panose="02040503050406030204" pitchFamily="18" charset="0"/>
                                 <a:sym typeface="Wingdings" panose="05000000000000000000" pitchFamily="2" charset="2"/>
                               </a:rPr>
@@ -23549,21 +23506,21 @@
                       </m:e>
                     </m:d>
                     <m:r>
-                      <a:rPr lang="en-US" b="0" i="1" smtClean="0">
+                      <a:rPr lang="en-US" sz="4500" b="0" i="1" smtClean="0">
                         <a:latin typeface="Cambria Math" panose="02040503050406030204" pitchFamily="18" charset="0"/>
                         <a:sym typeface="Wingdings" panose="05000000000000000000" pitchFamily="2" charset="2"/>
                       </a:rPr>
                       <m:t>−</m:t>
                     </m:r>
                     <m:r>
-                      <a:rPr lang="en-US" b="0" i="1" smtClean="0">
+                      <a:rPr lang="en-US" sz="4500" b="0" i="1" smtClean="0">
                         <a:latin typeface="Cambria Math" panose="02040503050406030204" pitchFamily="18" charset="0"/>
                         <a:sym typeface="Wingdings" panose="05000000000000000000" pitchFamily="2" charset="2"/>
                       </a:rPr>
                       <m:t>𝐻</m:t>
                     </m:r>
                     <m:r>
-                      <a:rPr lang="en-US" b="0" i="1" smtClean="0">
+                      <a:rPr lang="en-US" sz="4500" b="0" i="1" smtClean="0">
                         <a:latin typeface="Cambria Math" panose="02040503050406030204" pitchFamily="18" charset="0"/>
                         <a:sym typeface="Wingdings" panose="05000000000000000000" pitchFamily="2" charset="2"/>
                       </a:rPr>
@@ -23572,7 +23529,7 @@
                   </m:oMath>
                 </a14:m>
                 <a:r>
-                  <a:rPr lang="en-US" i="1" dirty="0">
+                  <a:rPr lang="en-US" sz="4500" i="1" dirty="0">
                     <a:solidFill>
                       <a:schemeClr val="accent1"/>
                     </a:solidFill>
@@ -23581,7 +23538,7 @@
                   <a:t>			 </a:t>
                 </a:r>
                 <a:r>
-                  <a:rPr lang="en-US" dirty="0">
+                  <a:rPr lang="en-US" sz="4500" dirty="0">
                     <a:solidFill>
                       <a:schemeClr val="accent1"/>
                     </a:solidFill>
@@ -23594,7 +23551,7 @@
                     <m:sSub>
                       <m:sSubPr>
                         <m:ctrlPr>
-                          <a:rPr lang="en-US" i="1">
+                          <a:rPr lang="en-US" sz="4500" i="1">
                             <a:latin typeface="Cambria Math" panose="02040503050406030204" pitchFamily="18" charset="0"/>
                             <a:sym typeface="Wingdings" panose="05000000000000000000" pitchFamily="2" charset="2"/>
                           </a:rPr>
@@ -23602,7 +23559,7 @@
                       </m:sSubPr>
                       <m:e>
                         <m:r>
-                          <a:rPr lang="en-US" i="1">
+                          <a:rPr lang="en-US" sz="4500" i="1">
                             <a:latin typeface="Cambria Math" panose="02040503050406030204" pitchFamily="18" charset="0"/>
                             <a:sym typeface="Wingdings" panose="05000000000000000000" pitchFamily="2" charset="2"/>
                           </a:rPr>
@@ -23611,7 +23568,7 @@
                       </m:e>
                       <m:sub>
                         <m:r>
-                          <a:rPr lang="en-US" i="1">
+                          <a:rPr lang="en-US" sz="4500" i="1">
                             <a:latin typeface="Cambria Math" panose="02040503050406030204" pitchFamily="18" charset="0"/>
                             <a:sym typeface="Wingdings" panose="05000000000000000000" pitchFamily="2" charset="2"/>
                           </a:rPr>
@@ -23620,7 +23577,7 @@
                       </m:sub>
                     </m:sSub>
                     <m:r>
-                      <a:rPr lang="en-US" b="0" i="1" smtClean="0">
+                      <a:rPr lang="en-US" sz="4500" b="0" i="1" smtClean="0">
                         <a:latin typeface="Cambria Math" panose="02040503050406030204" pitchFamily="18" charset="0"/>
                         <a:sym typeface="Wingdings" panose="05000000000000000000" pitchFamily="2" charset="2"/>
                       </a:rPr>
@@ -23629,7 +23586,7 @@
                   </m:oMath>
                 </a14:m>
                 <a:r>
-                  <a:rPr lang="en-US" dirty="0">
+                  <a:rPr lang="en-US" sz="4500" dirty="0">
                     <a:solidFill>
                       <a:schemeClr val="accent1"/>
                     </a:solidFill>
@@ -23643,7 +23600,7 @@
                   <a:buNone/>
                 </a:pPr>
                 <a:r>
-                  <a:rPr lang="en-US" dirty="0">
+                  <a:rPr lang="en-US" sz="4500" dirty="0">
                     <a:sym typeface="Wingdings" panose="05000000000000000000" pitchFamily="2" charset="2"/>
                   </a:rPr>
                   <a:t>		     </a:t>
@@ -23651,14 +23608,21 @@
                 <a14:m>
                   <m:oMath xmlns:m="http://schemas.openxmlformats.org/officeDocument/2006/math">
                     <m:r>
-                      <a:rPr lang="en-US" smtClean="0">
+                      <a:rPr lang="en-US" sz="4500" b="0" i="0" smtClean="0">
                         <a:latin typeface="Cambria Math" panose="02040503050406030204" pitchFamily="18" charset="0"/>
                         <a:sym typeface="Wingdings" panose="05000000000000000000" pitchFamily="2" charset="2"/>
                       </a:rPr>
+                      <m:t>      </m:t>
+                    </m:r>
+                    <m:r>
+                      <a:rPr lang="en-US" sz="4500" smtClean="0">
+                        <a:latin typeface="Cambria Math" panose="02040503050406030204" pitchFamily="18" charset="0"/>
+                        <a:sym typeface="Wingdings" panose="05000000000000000000" pitchFamily="2" charset="2"/>
+                      </a:rPr>
                       <m:t>=</m:t>
                     </m:r>
                     <m:r>
-                      <a:rPr lang="en-US" b="0" i="1" smtClean="0">
+                      <a:rPr lang="en-US" sz="4500" b="0" i="1" smtClean="0">
                         <a:latin typeface="Cambria Math" panose="02040503050406030204" pitchFamily="18" charset="0"/>
                         <a:sym typeface="Wingdings" panose="05000000000000000000" pitchFamily="2" charset="2"/>
                       </a:rPr>
@@ -23667,7 +23631,7 @@
                     <m:d>
                       <m:dPr>
                         <m:ctrlPr>
-                          <a:rPr lang="en-US" b="0" i="1" smtClean="0">
+                          <a:rPr lang="en-US" sz="4500" b="0" i="1" smtClean="0">
                             <a:latin typeface="Cambria Math" panose="02040503050406030204" pitchFamily="18" charset="0"/>
                             <a:sym typeface="Wingdings" panose="05000000000000000000" pitchFamily="2" charset="2"/>
                           </a:rPr>
@@ -23677,7 +23641,7 @@
                         <m:sSub>
                           <m:sSubPr>
                             <m:ctrlPr>
-                              <a:rPr lang="en-US" b="0" i="1" smtClean="0">
+                              <a:rPr lang="en-US" sz="4500" b="0" i="1" smtClean="0">
                                 <a:latin typeface="Cambria Math" panose="02040503050406030204" pitchFamily="18" charset="0"/>
                                 <a:sym typeface="Wingdings" panose="05000000000000000000" pitchFamily="2" charset="2"/>
                               </a:rPr>
@@ -23685,7 +23649,7 @@
                           </m:sSubPr>
                           <m:e>
                             <m:r>
-                              <a:rPr lang="en-US" b="0" i="1" smtClean="0">
+                              <a:rPr lang="en-US" sz="4500" b="0" i="1" smtClean="0">
                                 <a:latin typeface="Cambria Math" panose="02040503050406030204" pitchFamily="18" charset="0"/>
                                 <a:sym typeface="Wingdings" panose="05000000000000000000" pitchFamily="2" charset="2"/>
                               </a:rPr>
@@ -23694,7 +23658,7 @@
                           </m:e>
                           <m:sub>
                             <m:r>
-                              <a:rPr lang="en-US" b="0" i="1" smtClean="0">
+                              <a:rPr lang="en-US" sz="4500" b="0" i="1" smtClean="0">
                                 <a:latin typeface="Cambria Math" panose="02040503050406030204" pitchFamily="18" charset="0"/>
                                 <a:sym typeface="Wingdings" panose="05000000000000000000" pitchFamily="2" charset="2"/>
                               </a:rPr>
@@ -23707,7 +23671,7 @@
                   </m:oMath>
                 </a14:m>
                 <a:r>
-                  <a:rPr lang="en-US" dirty="0">
+                  <a:rPr lang="en-US" sz="4500" dirty="0">
                     <a:solidFill>
                       <a:schemeClr val="accent1"/>
                     </a:solidFill>
@@ -23718,14 +23682,14 @@
                 <a14:m>
                   <m:oMath xmlns:m="http://schemas.openxmlformats.org/officeDocument/2006/math">
                     <m:r>
-                      <a:rPr lang="en-US" b="0" i="1" smtClean="0">
+                      <a:rPr lang="en-US" sz="4500" b="0" i="1" smtClean="0">
                         <a:latin typeface="Cambria Math" panose="02040503050406030204" pitchFamily="18" charset="0"/>
                         <a:sym typeface="Wingdings" panose="05000000000000000000" pitchFamily="2" charset="2"/>
                       </a:rPr>
                       <m:t>𝐻</m:t>
                     </m:r>
                     <m:r>
-                      <a:rPr lang="en-US" b="0" i="1" smtClean="0">
+                      <a:rPr lang="en-US" sz="4500" b="0" i="1" smtClean="0">
                         <a:latin typeface="Cambria Math" panose="02040503050406030204" pitchFamily="18" charset="0"/>
                         <a:sym typeface="Wingdings" panose="05000000000000000000" pitchFamily="2" charset="2"/>
                       </a:rPr>
@@ -23734,7 +23698,7 @@
                   </m:oMath>
                 </a14:m>
                 <a:r>
-                  <a:rPr lang="en-US" dirty="0">
+                  <a:rPr lang="en-US" sz="4500" dirty="0">
                     <a:solidFill>
                       <a:schemeClr val="accent1"/>
                     </a:solidFill>
@@ -23748,7 +23712,7 @@
                   <a:buNone/>
                 </a:pPr>
                 <a:r>
-                  <a:rPr lang="en-US" dirty="0">
+                  <a:rPr lang="en-US" sz="4500" dirty="0">
                     <a:sym typeface="Wingdings" panose="05000000000000000000" pitchFamily="2" charset="2"/>
                   </a:rPr>
                   <a:t>		     </a:t>
@@ -23756,14 +23720,21 @@
                 <a14:m>
                   <m:oMath xmlns:m="http://schemas.openxmlformats.org/officeDocument/2006/math">
                     <m:r>
-                      <a:rPr lang="en-US" smtClean="0">
+                      <a:rPr lang="en-US" sz="4500" b="0" i="0" smtClean="0">
                         <a:latin typeface="Cambria Math" panose="02040503050406030204" pitchFamily="18" charset="0"/>
                         <a:sym typeface="Wingdings" panose="05000000000000000000" pitchFamily="2" charset="2"/>
                       </a:rPr>
+                      <m:t>      </m:t>
+                    </m:r>
+                    <m:r>
+                      <a:rPr lang="en-US" sz="4500" smtClean="0">
+                        <a:latin typeface="Cambria Math" panose="02040503050406030204" pitchFamily="18" charset="0"/>
+                        <a:sym typeface="Wingdings" panose="05000000000000000000" pitchFamily="2" charset="2"/>
+                      </a:rPr>
                       <m:t>=</m:t>
                     </m:r>
                     <m:r>
-                      <a:rPr lang="en-US" b="0" i="1" smtClean="0">
+                      <a:rPr lang="en-US" sz="4500" b="0" i="1" smtClean="0">
                         <a:latin typeface="Cambria Math" panose="02040503050406030204" pitchFamily="18" charset="0"/>
                         <a:sym typeface="Wingdings" panose="05000000000000000000" pitchFamily="2" charset="2"/>
                       </a:rPr>
@@ -23772,7 +23743,7 @@
                     <m:d>
                       <m:dPr>
                         <m:ctrlPr>
-                          <a:rPr lang="en-US" b="0" i="1" smtClean="0">
+                          <a:rPr lang="en-US" sz="4500" b="0" i="1" smtClean="0">
                             <a:latin typeface="Cambria Math" panose="02040503050406030204" pitchFamily="18" charset="0"/>
                             <a:sym typeface="Wingdings" panose="05000000000000000000" pitchFamily="2" charset="2"/>
                           </a:rPr>
@@ -23780,21 +23751,21 @@
                       </m:dPr>
                       <m:e>
                         <m:r>
-                          <a:rPr lang="en-US" b="0" i="1" smtClean="0">
+                          <a:rPr lang="en-US" sz="4500" b="0" i="1" smtClean="0">
                             <a:latin typeface="Cambria Math" panose="02040503050406030204" pitchFamily="18" charset="0"/>
                             <a:sym typeface="Wingdings" panose="05000000000000000000" pitchFamily="2" charset="2"/>
                           </a:rPr>
                           <m:t>|</m:t>
                         </m:r>
                         <m:r>
-                          <a:rPr lang="en-US" b="0" i="1" smtClean="0">
+                          <a:rPr lang="en-US" sz="4500" b="0" i="1" smtClean="0">
                             <a:latin typeface="Cambria Math" panose="02040503050406030204" pitchFamily="18" charset="0"/>
                             <a:sym typeface="Wingdings" panose="05000000000000000000" pitchFamily="2" charset="2"/>
                           </a:rPr>
                           <m:t>𝑆</m:t>
                         </m:r>
                         <m:r>
-                          <a:rPr lang="en-US" b="0" i="1" smtClean="0">
+                          <a:rPr lang="en-US" sz="4500" b="0" i="1" smtClean="0">
                             <a:latin typeface="Cambria Math" panose="02040503050406030204" pitchFamily="18" charset="0"/>
                             <a:sym typeface="Wingdings" panose="05000000000000000000" pitchFamily="2" charset="2"/>
                           </a:rPr>
@@ -23805,16 +23776,16 @@
                   </m:oMath>
                 </a14:m>
                 <a:r>
-                  <a:rPr lang="en-US" dirty="0">
+                  <a:rPr lang="en-US" sz="4500" dirty="0">
                     <a:solidFill>
                       <a:schemeClr val="accent1"/>
                     </a:solidFill>
                     <a:sym typeface="Wingdings" panose="05000000000000000000" pitchFamily="2" charset="2"/>
                   </a:rPr>
-                  <a:t>			 [</a:t>
-                </a:r>
-                <a:r>
-                  <a:rPr lang="en-US" dirty="0">
+                  <a:t>				 [</a:t>
+                </a:r>
+                <a:r>
+                  <a:rPr lang="en-US" sz="4500" dirty="0">
                     <a:solidFill>
                       <a:schemeClr val="tx1"/>
                     </a:solidFill>
@@ -23825,7 +23796,7 @@
                 <a14:m>
                   <m:oMath xmlns:m="http://schemas.openxmlformats.org/officeDocument/2006/math">
                     <m:r>
-                      <a:rPr lang="en-US" i="1">
+                      <a:rPr lang="en-US" sz="4500" i="1">
                         <a:solidFill>
                           <a:schemeClr val="tx1"/>
                         </a:solidFill>
@@ -23837,7 +23808,7 @@
                     <m:sSub>
                       <m:sSubPr>
                         <m:ctrlPr>
-                          <a:rPr lang="en-US" i="1">
+                          <a:rPr lang="en-US" sz="4500" i="1">
                             <a:latin typeface="Cambria Math" panose="02040503050406030204" pitchFamily="18" charset="0"/>
                             <a:sym typeface="Wingdings" panose="05000000000000000000" pitchFamily="2" charset="2"/>
                           </a:rPr>
@@ -23845,7 +23816,7 @@
                       </m:sSubPr>
                       <m:e>
                         <m:r>
-                          <a:rPr lang="en-US" i="1">
+                          <a:rPr lang="en-US" sz="4500" i="1">
                             <a:latin typeface="Cambria Math" panose="02040503050406030204" pitchFamily="18" charset="0"/>
                             <a:sym typeface="Wingdings" panose="05000000000000000000" pitchFamily="2" charset="2"/>
                           </a:rPr>
@@ -23854,7 +23825,7 @@
                       </m:e>
                       <m:sub>
                         <m:r>
-                          <a:rPr lang="en-US" i="1">
+                          <a:rPr lang="en-US" sz="4500" i="1">
                             <a:latin typeface="Cambria Math" panose="02040503050406030204" pitchFamily="18" charset="0"/>
                             <a:sym typeface="Wingdings" panose="05000000000000000000" pitchFamily="2" charset="2"/>
                           </a:rPr>
@@ -23865,7 +23836,7 @@
                   </m:oMath>
                 </a14:m>
                 <a:r>
-                  <a:rPr lang="en-US" dirty="0">
+                  <a:rPr lang="en-US" sz="4500" dirty="0">
                     <a:solidFill>
                       <a:schemeClr val="accent1"/>
                     </a:solidFill>
@@ -23948,10 +23919,14 @@
               </p:nvPr>
             </p:nvSpPr>
             <p:spPr>
+              <a:xfrm>
+                <a:off x="838200" y="1574800"/>
+                <a:ext cx="10515600" cy="4918075"/>
+              </a:xfrm>
               <a:blipFill>
                 <a:blip r:embed="rId2"/>
                 <a:stretch>
-                  <a:fillRect l="-232" t="-2801"/>
+                  <a:fillRect t="-11896"/>
                 </a:stretch>
               </a:blipFill>
             </p:spPr>
@@ -24062,7 +24037,7 @@
                   <a:buNone/>
                 </a:pPr>
                 <a:r>
-                  <a:rPr lang="en-US" sz="6000" b="1" i="1" u="sng" dirty="0">
+                  <a:rPr lang="en-US" sz="7200" b="1" i="1" u="sng" dirty="0">
                     <a:solidFill>
                       <a:srgbClr val="FF0000"/>
                     </a:solidFill>
@@ -24070,7 +24045,7 @@
                   <a:t>Proof</a:t>
                 </a:r>
                 <a:r>
-                  <a:rPr lang="en-US" sz="6000" b="1" i="1" dirty="0">
+                  <a:rPr lang="en-US" sz="7200" b="1" i="1" dirty="0">
                     <a:solidFill>
                       <a:srgbClr val="FF0000"/>
                     </a:solidFill>
@@ -24084,7 +24059,7 @@
                   <a:buNone/>
                 </a:pPr>
                 <a:r>
-                  <a:rPr lang="en-US" sz="6000" dirty="0">
+                  <a:rPr lang="en-US" sz="7200" dirty="0">
                     <a:solidFill>
                       <a:schemeClr val="accent1"/>
                     </a:solidFill>
@@ -24093,7 +24068,7 @@
                   <a:t>Hence,	</a:t>
                 </a:r>
                 <a:r>
-                  <a:rPr lang="en-US" sz="6000" dirty="0">
+                  <a:rPr lang="en-US" sz="7200" dirty="0">
                     <a:solidFill>
                       <a:schemeClr val="tx1"/>
                     </a:solidFill>
@@ -24101,7 +24076,7 @@
                   </a:rPr>
                   <a:t> </a:t>
                 </a:r>
-                <a:endParaRPr lang="en-US" sz="6000" dirty="0">
+                <a:endParaRPr lang="en-US" sz="7200" dirty="0">
                   <a:sym typeface="Wingdings" panose="05000000000000000000" pitchFamily="2" charset="2"/>
                 </a:endParaRPr>
               </a:p>
@@ -24110,7 +24085,7 @@
                   <a:buNone/>
                 </a:pPr>
                 <a:r>
-                  <a:rPr lang="en-US" sz="6000" dirty="0">
+                  <a:rPr lang="en-US" sz="7200" dirty="0">
                     <a:sym typeface="Wingdings" panose="05000000000000000000" pitchFamily="2" charset="2"/>
                   </a:rPr>
                   <a:t>				</a:t>
@@ -24123,7 +24098,7 @@
                         <m:limLoc m:val="subSup"/>
                         <m:supHide m:val="on"/>
                         <m:ctrlPr>
-                          <a:rPr lang="en-US" sz="6000" i="1">
+                          <a:rPr lang="en-US" sz="7200" i="1">
                             <a:latin typeface="Cambria Math" panose="02040503050406030204" pitchFamily="18" charset="0"/>
                             <a:sym typeface="Wingdings" panose="05000000000000000000" pitchFamily="2" charset="2"/>
                           </a:rPr>
@@ -24134,14 +24109,14 @@
                           <m:rPr>
                             <m:brk m:alnAt="9"/>
                           </m:rPr>
-                          <a:rPr lang="en-US" sz="6000" i="1">
+                          <a:rPr lang="en-US" sz="7200" i="1">
                             <a:latin typeface="Cambria Math" panose="02040503050406030204" pitchFamily="18" charset="0"/>
                             <a:sym typeface="Wingdings" panose="05000000000000000000" pitchFamily="2" charset="2"/>
                           </a:rPr>
                           <m:t>𝑥</m:t>
                         </m:r>
                         <m:r>
-                          <a:rPr lang="en-US" sz="6000" i="1">
+                          <a:rPr lang="en-US" sz="7200" i="1">
                             <a:latin typeface="Cambria Math" panose="02040503050406030204" pitchFamily="18" charset="0"/>
                             <a:ea typeface="Cambria Math" panose="02040503050406030204" pitchFamily="18" charset="0"/>
                             <a:sym typeface="Wingdings" panose="05000000000000000000" pitchFamily="2" charset="2"/>
@@ -24149,7 +24124,7 @@
                           <m:t>∈</m:t>
                         </m:r>
                         <m:r>
-                          <a:rPr lang="en-US" sz="6000" i="1">
+                          <a:rPr lang="en-US" sz="7200" i="1">
                             <a:latin typeface="Cambria Math" panose="02040503050406030204" pitchFamily="18" charset="0"/>
                             <a:ea typeface="Cambria Math" panose="02040503050406030204" pitchFamily="18" charset="0"/>
                             <a:sym typeface="Wingdings" panose="05000000000000000000" pitchFamily="2" charset="2"/>
@@ -24162,7 +24137,7 @@
                         <m:sSub>
                           <m:sSubPr>
                             <m:ctrlPr>
-                              <a:rPr lang="en-US" sz="6000" i="1">
+                              <a:rPr lang="en-US" sz="7200" i="1">
                                 <a:latin typeface="Cambria Math" panose="02040503050406030204" pitchFamily="18" charset="0"/>
                                 <a:sym typeface="Wingdings" panose="05000000000000000000" pitchFamily="2" charset="2"/>
                               </a:rPr>
@@ -24170,7 +24145,7 @@
                           </m:sSubPr>
                           <m:e>
                             <m:r>
-                              <a:rPr lang="en-US" sz="6000" i="1">
+                              <a:rPr lang="en-US" sz="7200" i="1">
                                 <a:latin typeface="Cambria Math" panose="02040503050406030204" pitchFamily="18" charset="0"/>
                                 <a:sym typeface="Wingdings" panose="05000000000000000000" pitchFamily="2" charset="2"/>
                               </a:rPr>
@@ -24179,7 +24154,7 @@
                           </m:e>
                           <m:sub>
                             <m:r>
-                              <a:rPr lang="en-US" sz="6000" i="1">
+                              <a:rPr lang="en-US" sz="7200" i="1">
                                 <a:latin typeface="Cambria Math" panose="02040503050406030204" pitchFamily="18" charset="0"/>
                                 <a:sym typeface="Wingdings" panose="05000000000000000000" pitchFamily="2" charset="2"/>
                               </a:rPr>
@@ -24188,7 +24163,7 @@
                           </m:sub>
                         </m:sSub>
                         <m:r>
-                          <a:rPr lang="en-US" sz="6000" i="1">
+                          <a:rPr lang="en-US" sz="7200" i="1">
                             <a:latin typeface="Cambria Math" panose="02040503050406030204" pitchFamily="18" charset="0"/>
                             <a:sym typeface="Wingdings" panose="05000000000000000000" pitchFamily="2" charset="2"/>
                           </a:rPr>
@@ -24197,7 +24172,7 @@
                       </m:e>
                     </m:nary>
                     <m:r>
-                      <a:rPr lang="en-US" sz="6000" b="0" i="1" smtClean="0">
+                      <a:rPr lang="en-US" sz="7200" b="0" i="1" smtClean="0">
                         <a:latin typeface="Cambria Math" panose="02040503050406030204" pitchFamily="18" charset="0"/>
                         <a:sym typeface="Wingdings" panose="05000000000000000000" pitchFamily="2" charset="2"/>
                       </a:rPr>
@@ -24206,7 +24181,7 @@
                     <m:d>
                       <m:dPr>
                         <m:ctrlPr>
-                          <a:rPr lang="en-US" sz="6000" b="0" i="1" smtClean="0">
+                          <a:rPr lang="en-US" sz="7200" b="0" i="1" smtClean="0">
                             <a:latin typeface="Cambria Math" panose="02040503050406030204" pitchFamily="18" charset="0"/>
                             <a:sym typeface="Wingdings" panose="05000000000000000000" pitchFamily="2" charset="2"/>
                           </a:rPr>
@@ -24214,21 +24189,21 @@
                       </m:dPr>
                       <m:e>
                         <m:r>
-                          <a:rPr lang="en-US" sz="6000" b="0" i="1" smtClean="0">
+                          <a:rPr lang="en-US" sz="7200" b="0" i="1" smtClean="0">
                             <a:latin typeface="Cambria Math" panose="02040503050406030204" pitchFamily="18" charset="0"/>
                             <a:sym typeface="Wingdings" panose="05000000000000000000" pitchFamily="2" charset="2"/>
                           </a:rPr>
                           <m:t>|</m:t>
                         </m:r>
                         <m:r>
-                          <a:rPr lang="en-US" sz="6000" b="0" i="1" smtClean="0">
+                          <a:rPr lang="en-US" sz="7200" b="0" i="1" smtClean="0">
                             <a:latin typeface="Cambria Math" panose="02040503050406030204" pitchFamily="18" charset="0"/>
                             <a:sym typeface="Wingdings" panose="05000000000000000000" pitchFamily="2" charset="2"/>
                           </a:rPr>
                           <m:t>𝑆</m:t>
                         </m:r>
                         <m:r>
-                          <a:rPr lang="en-US" sz="6000" b="0" i="1" smtClean="0">
+                          <a:rPr lang="en-US" sz="7200" b="0" i="1" smtClean="0">
                             <a:latin typeface="Cambria Math" panose="02040503050406030204" pitchFamily="18" charset="0"/>
                             <a:sym typeface="Wingdings" panose="05000000000000000000" pitchFamily="2" charset="2"/>
                           </a:rPr>
@@ -24239,7 +24214,7 @@
                   </m:oMath>
                 </a14:m>
                 <a:r>
-                  <a:rPr lang="en-US" sz="6000" dirty="0">
+                  <a:rPr lang="en-US" sz="7200" dirty="0">
                     <a:solidFill>
                       <a:schemeClr val="accent1"/>
                     </a:solidFill>
@@ -24248,7 +24223,7 @@
                   <a:t>			</a:t>
                 </a:r>
                 <a:r>
-                  <a:rPr lang="en-US" sz="6000" b="1" i="1" dirty="0">
+                  <a:rPr lang="en-US" sz="7200" b="1" i="1" dirty="0">
                     <a:solidFill>
                       <a:srgbClr val="FF0000"/>
                     </a:solidFill>
@@ -24262,7 +24237,7 @@
                   <a:buNone/>
                 </a:pPr>
                 <a:r>
-                  <a:rPr lang="en-US" sz="6000" dirty="0">
+                  <a:rPr lang="en-US" sz="7200" dirty="0">
                     <a:solidFill>
                       <a:schemeClr val="accent1"/>
                     </a:solidFill>
@@ -24271,7 +24246,7 @@
                   <a:t>By</a:t>
                 </a:r>
                 <a:r>
-                  <a:rPr lang="en-US" sz="6000" b="1" i="1" dirty="0">
+                  <a:rPr lang="en-US" sz="7200" b="1" i="1" dirty="0">
                     <a:solidFill>
                       <a:srgbClr val="FF0000"/>
                     </a:solidFill>
@@ -24280,7 +24255,7 @@
                   <a:t> (Eq.3) </a:t>
                 </a:r>
                 <a:r>
-                  <a:rPr lang="en-US" sz="6000" dirty="0">
+                  <a:rPr lang="en-US" sz="7200" dirty="0">
                     <a:solidFill>
                       <a:schemeClr val="accent1"/>
                     </a:solidFill>
@@ -24289,7 +24264,7 @@
                   <a:t>and</a:t>
                 </a:r>
                 <a:r>
-                  <a:rPr lang="en-US" sz="6000" b="1" i="1" dirty="0">
+                  <a:rPr lang="en-US" sz="7200" b="1" i="1" dirty="0">
                     <a:solidFill>
                       <a:srgbClr val="FF0000"/>
                     </a:solidFill>
@@ -24298,7 +24273,7 @@
                   <a:t> (Eq.4)</a:t>
                 </a:r>
                 <a:r>
-                  <a:rPr lang="en-US" sz="6000" dirty="0">
+                  <a:rPr lang="en-US" sz="7200" dirty="0">
                     <a:solidFill>
                       <a:schemeClr val="accent1"/>
                     </a:solidFill>
@@ -24312,7 +24287,7 @@
                   <a:buNone/>
                 </a:pPr>
                 <a:r>
-                  <a:rPr lang="en-US" sz="6000" dirty="0">
+                  <a:rPr lang="en-US" sz="7200" dirty="0">
                     <a:solidFill>
                       <a:schemeClr val="accent1"/>
                     </a:solidFill>
@@ -24325,7 +24300,7 @@
                 <a:pPr marL="0" indent="0">
                   <a:buNone/>
                 </a:pPr>
-                <a:endParaRPr lang="en-US" sz="6000" b="1" i="1" dirty="0">
+                <a:endParaRPr lang="en-US" sz="7200" b="1" i="1" dirty="0">
                   <a:solidFill>
                     <a:srgbClr val="FF0000"/>
                   </a:solidFill>
@@ -24337,7 +24312,7 @@
                   <a:buNone/>
                 </a:pPr>
                 <a:r>
-                  <a:rPr lang="en-US" sz="6000" dirty="0">
+                  <a:rPr lang="en-US" sz="7200" dirty="0">
                     <a:ea typeface="Cambria Math" panose="02040503050406030204" pitchFamily="18" charset="0"/>
                     <a:sym typeface="Wingdings" panose="05000000000000000000" pitchFamily="2" charset="2"/>
                   </a:rPr>
@@ -24350,7 +24325,7 @@
                         <m:begChr m:val="|"/>
                         <m:endChr m:val="|"/>
                         <m:ctrlPr>
-                          <a:rPr lang="en-US" sz="6000" b="0" i="1" smtClean="0">
+                          <a:rPr lang="en-US" sz="7200" b="0" i="1" smtClean="0">
                             <a:solidFill>
                               <a:schemeClr val="tx1"/>
                             </a:solidFill>
@@ -24362,7 +24337,7 @@
                       </m:dPr>
                       <m:e>
                         <m:r>
-                          <a:rPr lang="en-US" sz="6000" i="1">
+                          <a:rPr lang="en-US" sz="7200" i="1">
                             <a:latin typeface="Cambria Math" panose="02040503050406030204" pitchFamily="18" charset="0"/>
                             <a:ea typeface="Cambria Math" panose="02040503050406030204" pitchFamily="18" charset="0"/>
                           </a:rPr>
@@ -24371,7 +24346,7 @@
                       </m:e>
                     </m:d>
                     <m:r>
-                      <a:rPr lang="en-US" sz="6000" b="0" i="0" smtClean="0">
+                      <a:rPr lang="en-US" sz="7200" b="0" i="0" smtClean="0">
                         <a:solidFill>
                           <a:schemeClr val="tx1"/>
                         </a:solidFill>
@@ -24387,7 +24362,7 @@
                         <m:limLoc m:val="subSup"/>
                         <m:supHide m:val="on"/>
                         <m:ctrlPr>
-                          <a:rPr lang="en-US" sz="6000" i="1">
+                          <a:rPr lang="en-US" sz="7200" i="1">
                             <a:latin typeface="Cambria Math" panose="02040503050406030204" pitchFamily="18" charset="0"/>
                             <a:sym typeface="Wingdings" panose="05000000000000000000" pitchFamily="2" charset="2"/>
                           </a:rPr>
@@ -24398,14 +24373,14 @@
                           <m:rPr>
                             <m:brk m:alnAt="9"/>
                           </m:rPr>
-                          <a:rPr lang="en-US" sz="6000" i="1">
+                          <a:rPr lang="en-US" sz="7200" i="1">
                             <a:latin typeface="Cambria Math" panose="02040503050406030204" pitchFamily="18" charset="0"/>
                             <a:sym typeface="Wingdings" panose="05000000000000000000" pitchFamily="2" charset="2"/>
                           </a:rPr>
                           <m:t>𝑆</m:t>
                         </m:r>
                         <m:r>
-                          <a:rPr lang="en-US" sz="6000" i="1">
+                          <a:rPr lang="en-US" sz="7200" i="1">
                             <a:latin typeface="Cambria Math" panose="02040503050406030204" pitchFamily="18" charset="0"/>
                             <a:sym typeface="Wingdings" panose="05000000000000000000" pitchFamily="2" charset="2"/>
                           </a:rPr>
@@ -24414,7 +24389,7 @@
                         <m:sSup>
                           <m:sSupPr>
                             <m:ctrlPr>
-                              <a:rPr lang="en-US" sz="6000" i="1">
+                              <a:rPr lang="en-US" sz="7200" i="1">
                                 <a:latin typeface="Cambria Math" panose="02040503050406030204" pitchFamily="18" charset="0"/>
                                 <a:ea typeface="Cambria Math" panose="02040503050406030204" pitchFamily="18" charset="0"/>
                                 <a:sym typeface="Wingdings" panose="05000000000000000000" pitchFamily="2" charset="2"/>
@@ -24423,7 +24398,7 @@
                           </m:sSupPr>
                           <m:e>
                             <m:r>
-                              <a:rPr lang="en-US" sz="6000" i="1">
+                              <a:rPr lang="en-US" sz="7200" i="1">
                                 <a:latin typeface="Cambria Math" panose="02040503050406030204" pitchFamily="18" charset="0"/>
                                 <a:ea typeface="Cambria Math" panose="02040503050406030204" pitchFamily="18" charset="0"/>
                               </a:rPr>
@@ -24432,7 +24407,7 @@
                           </m:e>
                           <m:sup>
                             <m:r>
-                              <a:rPr lang="en-US" sz="6000" i="1">
+                              <a:rPr lang="en-US" sz="7200" i="1">
                                 <a:latin typeface="Cambria Math" panose="02040503050406030204" pitchFamily="18" charset="0"/>
                                 <a:ea typeface="Cambria Math" panose="02040503050406030204" pitchFamily="18" charset="0"/>
                                 <a:sym typeface="Wingdings" panose="05000000000000000000" pitchFamily="2" charset="2"/>
@@ -24445,28 +24420,28 @@
                       <m:sup/>
                       <m:e>
                         <m:r>
-                          <a:rPr lang="en-US" sz="6000" b="0" i="1" smtClean="0">
+                          <a:rPr lang="en-US" sz="7200" b="0" i="1" smtClean="0">
                             <a:latin typeface="Cambria Math" panose="02040503050406030204" pitchFamily="18" charset="0"/>
                             <a:sym typeface="Wingdings" panose="05000000000000000000" pitchFamily="2" charset="2"/>
                           </a:rPr>
                           <m:t>𝐻</m:t>
                         </m:r>
                         <m:r>
-                          <a:rPr lang="en-US" sz="6000" b="0" i="1" smtClean="0">
+                          <a:rPr lang="en-US" sz="7200" b="0" i="1" smtClean="0">
                             <a:latin typeface="Cambria Math" panose="02040503050406030204" pitchFamily="18" charset="0"/>
                             <a:sym typeface="Wingdings" panose="05000000000000000000" pitchFamily="2" charset="2"/>
                           </a:rPr>
                           <m:t>(|</m:t>
                         </m:r>
                         <m:r>
-                          <a:rPr lang="en-US" sz="6000" b="0" i="1" smtClean="0">
+                          <a:rPr lang="en-US" sz="7200" b="0" i="1" smtClean="0">
                             <a:latin typeface="Cambria Math" panose="02040503050406030204" pitchFamily="18" charset="0"/>
                             <a:sym typeface="Wingdings" panose="05000000000000000000" pitchFamily="2" charset="2"/>
                           </a:rPr>
                           <m:t>𝑆</m:t>
                         </m:r>
                         <m:r>
-                          <a:rPr lang="en-US" sz="6000" b="0" i="1" smtClean="0">
+                          <a:rPr lang="en-US" sz="7200" b="0" i="1" smtClean="0">
                             <a:latin typeface="Cambria Math" panose="02040503050406030204" pitchFamily="18" charset="0"/>
                             <a:sym typeface="Wingdings" panose="05000000000000000000" pitchFamily="2" charset="2"/>
                           </a:rPr>
@@ -24476,7 +24451,7 @@
                     </m:nary>
                   </m:oMath>
                 </a14:m>
-                <a:endParaRPr lang="en-US" sz="6000" dirty="0">
+                <a:endParaRPr lang="en-US" sz="7200" dirty="0">
                   <a:solidFill>
                     <a:schemeClr val="accent1"/>
                   </a:solidFill>
@@ -24488,7 +24463,7 @@
                   <a:buNone/>
                 </a:pPr>
                 <a:r>
-                  <a:rPr lang="en-US" sz="6000" dirty="0">
+                  <a:rPr lang="en-US" sz="7200" dirty="0">
                     <a:solidFill>
                       <a:schemeClr val="accent1"/>
                     </a:solidFill>
@@ -24497,7 +24472,7 @@
                   <a:t>				</a:t>
                 </a:r>
                 <a:r>
-                  <a:rPr lang="en-US" sz="6000" b="0" dirty="0">
+                  <a:rPr lang="en-US" sz="7200" b="0" dirty="0">
                     <a:solidFill>
                       <a:schemeClr val="tx1"/>
                     </a:solidFill>
@@ -24509,7 +24484,7 @@
                 <a14:m>
                   <m:oMath xmlns:m="http://schemas.openxmlformats.org/officeDocument/2006/math">
                     <m:r>
-                      <a:rPr lang="en-US" sz="6000" b="0" i="0" smtClean="0">
+                      <a:rPr lang="en-US" sz="7200" b="0" i="0" smtClean="0">
                         <a:solidFill>
                           <a:schemeClr val="tx1"/>
                         </a:solidFill>
@@ -24517,21 +24492,10 @@
                         <a:ea typeface="Cambria Math" panose="02040503050406030204" pitchFamily="18" charset="0"/>
                         <a:sym typeface="Wingdings" panose="05000000000000000000" pitchFamily="2" charset="2"/>
                       </a:rPr>
-                      <m:t>      </m:t>
-                    </m:r>
-                    <m:r>
-                      <a:rPr lang="en-US" sz="6000" b="0" i="0" smtClean="0">
-                        <a:solidFill>
-                          <a:schemeClr val="tx1"/>
-                        </a:solidFill>
-                        <a:latin typeface="Cambria Math" panose="02040503050406030204" pitchFamily="18" charset="0"/>
-                        <a:ea typeface="Cambria Math" panose="02040503050406030204" pitchFamily="18" charset="0"/>
-                        <a:sym typeface="Wingdings" panose="05000000000000000000" pitchFamily="2" charset="2"/>
-                      </a:rPr>
-                      <m:t>≤</m:t>
-                    </m:r>
-                    <m:r>
-                      <a:rPr lang="en-US" sz="6000" b="0" i="1" smtClean="0">
+                      <m:t>      ≤</m:t>
+                    </m:r>
+                    <m:r>
+                      <a:rPr lang="en-US" sz="7200" b="0" i="1" smtClean="0">
                         <a:solidFill>
                           <a:schemeClr val="tx1"/>
                         </a:solidFill>
@@ -24544,7 +24508,7 @@
                     <m:sSup>
                       <m:sSupPr>
                         <m:ctrlPr>
-                          <a:rPr lang="en-US" sz="6000" i="1">
+                          <a:rPr lang="en-US" sz="7200" i="1">
                             <a:latin typeface="Cambria Math" panose="02040503050406030204" pitchFamily="18" charset="0"/>
                             <a:ea typeface="Cambria Math" panose="02040503050406030204" pitchFamily="18" charset="0"/>
                           </a:rPr>
@@ -24552,7 +24516,7 @@
                       </m:sSupPr>
                       <m:e>
                         <m:r>
-                          <a:rPr lang="en-US" sz="6000" i="1">
+                          <a:rPr lang="en-US" sz="7200" i="1">
                             <a:latin typeface="Cambria Math" panose="02040503050406030204" pitchFamily="18" charset="0"/>
                             <a:ea typeface="Cambria Math" panose="02040503050406030204" pitchFamily="18" charset="0"/>
                           </a:rPr>
@@ -24561,7 +24525,7 @@
                       </m:e>
                       <m:sup>
                         <m:r>
-                          <a:rPr lang="en-US" sz="6000" i="1">
+                          <a:rPr lang="en-US" sz="7200" i="1">
                             <a:latin typeface="Cambria Math" panose="02040503050406030204" pitchFamily="18" charset="0"/>
                             <a:ea typeface="Cambria Math" panose="02040503050406030204" pitchFamily="18" charset="0"/>
                           </a:rPr>
@@ -24570,7 +24534,7 @@
                       </m:sup>
                     </m:sSup>
                     <m:r>
-                      <a:rPr lang="en-US" sz="6000" b="0" i="1" smtClean="0">
+                      <a:rPr lang="en-US" sz="7200" b="0" i="1" smtClean="0">
                         <a:solidFill>
                           <a:schemeClr val="tx1"/>
                         </a:solidFill>
@@ -24581,14 +24545,14 @@
                       <m:t>|</m:t>
                     </m:r>
                     <m:r>
-                      <a:rPr lang="en-US" sz="6000" i="1" smtClean="0">
+                      <a:rPr lang="en-US" sz="7200" i="1" smtClean="0">
                         <a:latin typeface="Cambria Math" panose="02040503050406030204" pitchFamily="18" charset="0"/>
                         <a:sym typeface="Wingdings" panose="05000000000000000000" pitchFamily="2" charset="2"/>
                       </a:rPr>
                       <m:t>𝐻</m:t>
                     </m:r>
                     <m:r>
-                      <a:rPr lang="en-US" sz="6000" b="0" i="1" smtClean="0">
+                      <a:rPr lang="en-US" sz="7200" b="0" i="1" smtClean="0">
                         <a:latin typeface="Cambria Math" panose="02040503050406030204" pitchFamily="18" charset="0"/>
                         <a:sym typeface="Wingdings" panose="05000000000000000000" pitchFamily="2" charset="2"/>
                       </a:rPr>
@@ -24598,14 +24562,14 @@
                       <m:rPr>
                         <m:sty m:val="p"/>
                       </m:rPr>
-                      <a:rPr lang="en-US" sz="6000" b="0" i="0" smtClean="0">
+                      <a:rPr lang="en-US" sz="7200" b="0" i="0" smtClean="0">
                         <a:latin typeface="Cambria Math" panose="02040503050406030204" pitchFamily="18" charset="0"/>
                         <a:sym typeface="Wingdings" panose="05000000000000000000" pitchFamily="2" charset="2"/>
                       </a:rPr>
                       <m:t>max</m:t>
                     </m:r>
                     <m:r>
-                      <a:rPr lang="en-US" sz="6000" b="0" i="1" smtClean="0">
+                      <a:rPr lang="en-US" sz="7200" b="0" i="1" smtClean="0">
                         <a:latin typeface="Cambria Math" panose="02040503050406030204" pitchFamily="18" charset="0"/>
                         <a:sym typeface="Wingdings" panose="05000000000000000000" pitchFamily="2" charset="2"/>
                       </a:rPr>
@@ -24616,7 +24580,7 @@
                         <m:begChr m:val="|"/>
                         <m:endChr m:val="|"/>
                         <m:ctrlPr>
-                          <a:rPr lang="en-US" sz="6000" b="0" i="1" smtClean="0">
+                          <a:rPr lang="en-US" sz="7200" b="0" i="1" smtClean="0">
                             <a:latin typeface="Cambria Math" panose="02040503050406030204" pitchFamily="18" charset="0"/>
                             <a:sym typeface="Wingdings" panose="05000000000000000000" pitchFamily="2" charset="2"/>
                           </a:rPr>
@@ -24624,7 +24588,7 @@
                       </m:dPr>
                       <m:e>
                         <m:r>
-                          <a:rPr lang="en-US" sz="6000" b="0" i="1" smtClean="0">
+                          <a:rPr lang="en-US" sz="7200" b="0" i="1" smtClean="0">
                             <a:latin typeface="Cambria Math" panose="02040503050406030204" pitchFamily="18" charset="0"/>
                             <a:sym typeface="Wingdings" panose="05000000000000000000" pitchFamily="2" charset="2"/>
                           </a:rPr>
@@ -24633,21 +24597,21 @@
                       </m:e>
                     </m:d>
                     <m:r>
-                      <a:rPr lang="en-US" sz="6000" b="0" i="1" smtClean="0">
+                      <a:rPr lang="en-US" sz="7200" b="0" i="1" smtClean="0">
                         <a:latin typeface="Cambria Math" panose="02040503050406030204" pitchFamily="18" charset="0"/>
                         <a:sym typeface="Wingdings" panose="05000000000000000000" pitchFamily="2" charset="2"/>
                       </a:rPr>
                       <m:t>:</m:t>
                     </m:r>
                     <m:r>
-                      <a:rPr lang="en-US" sz="6000" b="0" i="1" smtClean="0">
+                      <a:rPr lang="en-US" sz="7200" b="0" i="1" smtClean="0">
                         <a:latin typeface="Cambria Math" panose="02040503050406030204" pitchFamily="18" charset="0"/>
                         <a:sym typeface="Wingdings" panose="05000000000000000000" pitchFamily="2" charset="2"/>
                       </a:rPr>
                       <m:t>𝑆</m:t>
                     </m:r>
                     <m:r>
-                      <a:rPr lang="en-US" sz="6000" b="0" i="1" smtClean="0">
+                      <a:rPr lang="en-US" sz="7200" b="0" i="1" smtClean="0">
                         <a:latin typeface="Cambria Math" panose="02040503050406030204" pitchFamily="18" charset="0"/>
                         <a:sym typeface="Wingdings" panose="05000000000000000000" pitchFamily="2" charset="2"/>
                       </a:rPr>
@@ -24657,14 +24621,14 @@
                       <m:rPr>
                         <m:brk m:alnAt="7"/>
                       </m:rPr>
-                      <a:rPr lang="en-US" sz="6000" i="1">
+                      <a:rPr lang="en-US" sz="7200" i="1">
                         <a:latin typeface="Cambria Math" panose="02040503050406030204" pitchFamily="18" charset="0"/>
                         <a:ea typeface="Cambria Math" panose="02040503050406030204" pitchFamily="18" charset="0"/>
                       </a:rPr>
                       <m:t>ℱ</m:t>
                     </m:r>
                     <m:r>
-                      <a:rPr lang="en-US" sz="6000" b="0" i="1" smtClean="0">
+                      <a:rPr lang="en-US" sz="7200" b="0" i="1" smtClean="0">
                         <a:latin typeface="Cambria Math" panose="02040503050406030204" pitchFamily="18" charset="0"/>
                         <a:sym typeface="Wingdings" panose="05000000000000000000" pitchFamily="2" charset="2"/>
                       </a:rPr>
@@ -24672,7 +24636,7 @@
                     </m:r>
                   </m:oMath>
                 </a14:m>
-                <a:endParaRPr lang="en-US" sz="6000" dirty="0">
+                <a:endParaRPr lang="en-US" sz="7200" dirty="0">
                   <a:solidFill>
                     <a:schemeClr val="accent1"/>
                   </a:solidFill>
@@ -24684,7 +24648,7 @@
                   <a:buNone/>
                 </a:pPr>
                 <a:r>
-                  <a:rPr lang="en-US" sz="6000" dirty="0">
+                  <a:rPr lang="en-US" sz="7200" dirty="0">
                     <a:solidFill>
                       <a:schemeClr val="accent1"/>
                     </a:solidFill>
@@ -24695,7 +24659,7 @@
                 <a14:m>
                   <m:oMath xmlns:m="http://schemas.openxmlformats.org/officeDocument/2006/math">
                     <m:r>
-                      <a:rPr lang="en-US" sz="6000" i="1" smtClean="0">
+                      <a:rPr lang="en-US" sz="7200" i="1" smtClean="0">
                         <a:latin typeface="Cambria Math" panose="02040503050406030204" pitchFamily="18" charset="0"/>
                         <a:sym typeface="Wingdings" panose="05000000000000000000" pitchFamily="2" charset="2"/>
                       </a:rPr>
@@ -24704,7 +24668,7 @@
                     <m:d>
                       <m:dPr>
                         <m:ctrlPr>
-                          <a:rPr lang="en-US" sz="6000" b="0" i="1" smtClean="0">
+                          <a:rPr lang="en-US" sz="7200" b="0" i="1" smtClean="0">
                             <a:latin typeface="Cambria Math" panose="02040503050406030204" pitchFamily="18" charset="0"/>
                             <a:sym typeface="Wingdings" panose="05000000000000000000" pitchFamily="2" charset="2"/>
                           </a:rPr>
@@ -24714,7 +24678,7 @@
                         <m:func>
                           <m:funcPr>
                             <m:ctrlPr>
-                              <a:rPr lang="en-US" sz="6000" b="0" i="1" smtClean="0">
+                              <a:rPr lang="en-US" sz="7200" b="0" i="1" smtClean="0">
                                 <a:latin typeface="Cambria Math" panose="02040503050406030204" pitchFamily="18" charset="0"/>
                                 <a:sym typeface="Wingdings" panose="05000000000000000000" pitchFamily="2" charset="2"/>
                               </a:rPr>
@@ -24725,7 +24689,7 @@
                               <m:rPr>
                                 <m:sty m:val="p"/>
                               </m:rPr>
-                              <a:rPr lang="en-US" sz="6000" b="0" i="0" smtClean="0">
+                              <a:rPr lang="en-US" sz="7200" b="0" i="0" smtClean="0">
                                 <a:latin typeface="Cambria Math" panose="02040503050406030204" pitchFamily="18" charset="0"/>
                                 <a:sym typeface="Wingdings" panose="05000000000000000000" pitchFamily="2" charset="2"/>
                               </a:rPr>
@@ -24738,7 +24702,7 @@
                                 <m:begChr m:val="{"/>
                                 <m:endChr m:val="}"/>
                                 <m:ctrlPr>
-                                  <a:rPr lang="en-US" sz="6000" b="0" i="1" smtClean="0">
+                                  <a:rPr lang="en-US" sz="7200" b="0" i="1" smtClean="0">
                                     <a:latin typeface="Cambria Math" panose="02040503050406030204" pitchFamily="18" charset="0"/>
                                     <a:sym typeface="Wingdings" panose="05000000000000000000" pitchFamily="2" charset="2"/>
                                   </a:rPr>
@@ -24750,7 +24714,7 @@
                                     <m:begChr m:val="|"/>
                                     <m:endChr m:val="|"/>
                                     <m:ctrlPr>
-                                      <a:rPr lang="en-US" sz="6000" b="0" i="1" smtClean="0">
+                                      <a:rPr lang="en-US" sz="7200" b="0" i="1" smtClean="0">
                                         <a:latin typeface="Cambria Math" panose="02040503050406030204" pitchFamily="18" charset="0"/>
                                         <a:sym typeface="Wingdings" panose="05000000000000000000" pitchFamily="2" charset="2"/>
                                       </a:rPr>
@@ -24758,7 +24722,7 @@
                                   </m:dPr>
                                   <m:e>
                                     <m:r>
-                                      <a:rPr lang="en-US" sz="6000" b="0" i="1" smtClean="0">
+                                      <a:rPr lang="en-US" sz="7200" b="0" i="1" smtClean="0">
                                         <a:latin typeface="Cambria Math" panose="02040503050406030204" pitchFamily="18" charset="0"/>
                                         <a:sym typeface="Wingdings" panose="05000000000000000000" pitchFamily="2" charset="2"/>
                                       </a:rPr>
@@ -24767,21 +24731,21 @@
                                   </m:e>
                                 </m:d>
                                 <m:r>
-                                  <a:rPr lang="en-US" sz="6000" b="0" i="1" smtClean="0">
+                                  <a:rPr lang="en-US" sz="7200" b="0" i="1" smtClean="0">
                                     <a:latin typeface="Cambria Math" panose="02040503050406030204" pitchFamily="18" charset="0"/>
                                     <a:sym typeface="Wingdings" panose="05000000000000000000" pitchFamily="2" charset="2"/>
                                   </a:rPr>
                                   <m:t>:</m:t>
                                 </m:r>
                                 <m:r>
-                                  <a:rPr lang="en-US" sz="6000" b="0" i="1" smtClean="0">
+                                  <a:rPr lang="en-US" sz="7200" b="0" i="1" smtClean="0">
                                     <a:latin typeface="Cambria Math" panose="02040503050406030204" pitchFamily="18" charset="0"/>
                                     <a:sym typeface="Wingdings" panose="05000000000000000000" pitchFamily="2" charset="2"/>
                                   </a:rPr>
                                   <m:t>𝑆</m:t>
                                 </m:r>
                                 <m:r>
-                                  <a:rPr lang="en-US" sz="6000" b="0" i="1" smtClean="0">
+                                  <a:rPr lang="en-US" sz="7200" b="0" i="1" smtClean="0">
                                     <a:latin typeface="Cambria Math" panose="02040503050406030204" pitchFamily="18" charset="0"/>
                                     <a:sym typeface="Wingdings" panose="05000000000000000000" pitchFamily="2" charset="2"/>
                                   </a:rPr>
@@ -24791,7 +24755,7 @@
                                   <m:rPr>
                                     <m:brk m:alnAt="7"/>
                                   </m:rPr>
-                                  <a:rPr lang="en-US" sz="6000" i="1">
+                                  <a:rPr lang="en-US" sz="7200" i="1">
                                     <a:latin typeface="Cambria Math" panose="02040503050406030204" pitchFamily="18" charset="0"/>
                                     <a:ea typeface="Cambria Math" panose="02040503050406030204" pitchFamily="18" charset="0"/>
                                   </a:rPr>
@@ -24804,14 +24768,14 @@
                       </m:e>
                     </m:d>
                     <m:r>
-                      <a:rPr lang="en-US" sz="6000" b="0" i="1" smtClean="0">
+                      <a:rPr lang="en-US" sz="7200" b="0" i="1" smtClean="0">
                         <a:latin typeface="Cambria Math" panose="02040503050406030204" pitchFamily="18" charset="0"/>
                         <a:sym typeface="Wingdings" panose="05000000000000000000" pitchFamily="2" charset="2"/>
                       </a:rPr>
                       <m:t>≤</m:t>
                     </m:r>
                     <m:r>
-                      <a:rPr lang="en-US" sz="6000" b="0" i="1" smtClean="0">
+                      <a:rPr lang="en-US" sz="7200" b="0" i="1" smtClean="0">
                         <a:latin typeface="Cambria Math" panose="02040503050406030204" pitchFamily="18" charset="0"/>
                         <a:sym typeface="Wingdings" panose="05000000000000000000" pitchFamily="2" charset="2"/>
                       </a:rPr>
@@ -24820,7 +24784,7 @@
                     <m:d>
                       <m:dPr>
                         <m:ctrlPr>
-                          <a:rPr lang="en-US" sz="6000" b="0" i="1" smtClean="0">
+                          <a:rPr lang="en-US" sz="7200" b="0" i="1" smtClean="0">
                             <a:latin typeface="Cambria Math" panose="02040503050406030204" pitchFamily="18" charset="0"/>
                             <a:sym typeface="Wingdings" panose="05000000000000000000" pitchFamily="2" charset="2"/>
                           </a:rPr>
@@ -24832,7 +24796,7 @@
                             <m:begChr m:val="|"/>
                             <m:endChr m:val="|"/>
                             <m:ctrlPr>
-                              <a:rPr lang="en-US" sz="6000" b="0" i="1" smtClean="0">
+                              <a:rPr lang="en-US" sz="7200" b="0" i="1" smtClean="0">
                                 <a:latin typeface="Cambria Math" panose="02040503050406030204" pitchFamily="18" charset="0"/>
                                 <a:sym typeface="Wingdings" panose="05000000000000000000" pitchFamily="2" charset="2"/>
                               </a:rPr>
@@ -24840,7 +24804,7 @@
                           </m:dPr>
                           <m:e>
                             <m:r>
-                              <a:rPr lang="en-US" sz="6000" b="0" i="1" smtClean="0">
+                              <a:rPr lang="en-US" sz="7200" b="0" i="1" smtClean="0">
                                 <a:latin typeface="Cambria Math" panose="02040503050406030204" pitchFamily="18" charset="0"/>
                                 <a:sym typeface="Wingdings" panose="05000000000000000000" pitchFamily="2" charset="2"/>
                               </a:rPr>
@@ -24851,7 +24815,7 @@
                       </m:e>
                     </m:d>
                     <m:r>
-                      <a:rPr lang="en-US" sz="6000" b="0" i="1" smtClean="0">
+                      <a:rPr lang="en-US" sz="7200" b="0" i="1" smtClean="0">
                         <a:latin typeface="Cambria Math" panose="02040503050406030204" pitchFamily="18" charset="0"/>
                         <a:sym typeface="Wingdings" panose="05000000000000000000" pitchFamily="2" charset="2"/>
                       </a:rPr>
@@ -24861,14 +24825,14 @@
                       <m:rPr>
                         <m:sty m:val="p"/>
                       </m:rPr>
-                      <a:rPr lang="en-US" sz="6000" b="0" i="0" smtClean="0">
+                      <a:rPr lang="en-US" sz="7200" b="0" i="0" smtClean="0">
                         <a:latin typeface="Cambria Math" panose="02040503050406030204" pitchFamily="18" charset="0"/>
                         <a:sym typeface="Wingdings" panose="05000000000000000000" pitchFamily="2" charset="2"/>
                       </a:rPr>
                       <m:t>ln</m:t>
                     </m:r>
                     <m:r>
-                      <a:rPr lang="en-US" sz="6000" b="0" i="1" smtClean="0">
+                      <a:rPr lang="en-US" sz="7200" b="0" i="1" smtClean="0">
                         <a:latin typeface="Cambria Math" panose="02040503050406030204" pitchFamily="18" charset="0"/>
                         <a:sym typeface="Wingdings" panose="05000000000000000000" pitchFamily="2" charset="2"/>
                       </a:rPr>
@@ -24879,7 +24843,7 @@
                         <m:begChr m:val="|"/>
                         <m:endChr m:val="|"/>
                         <m:ctrlPr>
-                          <a:rPr lang="en-US" sz="6000" b="0" i="1" smtClean="0">
+                          <a:rPr lang="en-US" sz="7200" b="0" i="1" smtClean="0">
                             <a:latin typeface="Cambria Math" panose="02040503050406030204" pitchFamily="18" charset="0"/>
                             <a:sym typeface="Wingdings" panose="05000000000000000000" pitchFamily="2" charset="2"/>
                           </a:rPr>
@@ -24887,7 +24851,7 @@
                       </m:dPr>
                       <m:e>
                         <m:r>
-                          <a:rPr lang="en-US" sz="6000" b="0" i="1" smtClean="0">
+                          <a:rPr lang="en-US" sz="7200" b="0" i="1" smtClean="0">
                             <a:latin typeface="Cambria Math" panose="02040503050406030204" pitchFamily="18" charset="0"/>
                             <a:sym typeface="Wingdings" panose="05000000000000000000" pitchFamily="2" charset="2"/>
                           </a:rPr>
@@ -24896,7 +24860,7 @@
                       </m:e>
                     </m:d>
                     <m:r>
-                      <a:rPr lang="en-US" sz="6000" b="0" i="1" smtClean="0">
+                      <a:rPr lang="en-US" sz="7200" b="0" i="1" smtClean="0">
                         <a:latin typeface="Cambria Math" panose="02040503050406030204" pitchFamily="18" charset="0"/>
                         <a:sym typeface="Wingdings" panose="05000000000000000000" pitchFamily="2" charset="2"/>
                       </a:rPr>
@@ -24905,7 +24869,7 @@
                   </m:oMath>
                 </a14:m>
                 <a:r>
-                  <a:rPr lang="en-US" sz="6000" dirty="0">
+                  <a:rPr lang="en-US" sz="7200" dirty="0">
                     <a:solidFill>
                       <a:schemeClr val="accent1"/>
                     </a:solidFill>
@@ -24919,7 +24883,7 @@
                   <a:buNone/>
                 </a:pPr>
                 <a:r>
-                  <a:rPr lang="en-US" sz="6000" dirty="0">
+                  <a:rPr lang="en-US" sz="7200" dirty="0">
                     <a:solidFill>
                       <a:schemeClr val="accent1"/>
                     </a:solidFill>
@@ -24933,7 +24897,7 @@
                   <a:buNone/>
                 </a:pPr>
                 <a:r>
-                  <a:rPr lang="en-US" sz="6000" dirty="0">
+                  <a:rPr lang="en-US" sz="7200" dirty="0">
                     <a:solidFill>
                       <a:schemeClr val="accent1"/>
                     </a:solidFill>
@@ -24948,7 +24912,7 @@
                         <m:begChr m:val="|"/>
                         <m:endChr m:val="|"/>
                         <m:ctrlPr>
-                          <a:rPr lang="en-US" sz="6000" b="0" i="1" smtClean="0">
+                          <a:rPr lang="en-US" sz="7200" b="0" i="1" smtClean="0">
                             <a:solidFill>
                               <a:schemeClr val="tx1"/>
                             </a:solidFill>
@@ -24960,7 +24924,7 @@
                       </m:dPr>
                       <m:e>
                         <m:r>
-                          <a:rPr lang="en-US" sz="6000" i="1">
+                          <a:rPr lang="en-US" sz="7200" i="1">
                             <a:latin typeface="Cambria Math" panose="02040503050406030204" pitchFamily="18" charset="0"/>
                             <a:ea typeface="Cambria Math" panose="02040503050406030204" pitchFamily="18" charset="0"/>
                           </a:rPr>
@@ -24969,7 +24933,7 @@
                       </m:e>
                     </m:d>
                     <m:r>
-                      <a:rPr lang="en-US" sz="6000" b="0" i="0" smtClean="0">
+                      <a:rPr lang="en-US" sz="7200" b="0" i="0" smtClean="0">
                         <a:solidFill>
                           <a:schemeClr val="tx1"/>
                         </a:solidFill>
@@ -24984,7 +24948,7 @@
                         <m:begChr m:val="|"/>
                         <m:endChr m:val="|"/>
                         <m:ctrlPr>
-                          <a:rPr lang="en-US" sz="6000" i="1">
+                          <a:rPr lang="en-US" sz="7200" i="1">
                             <a:latin typeface="Cambria Math" panose="02040503050406030204" pitchFamily="18" charset="0"/>
                             <a:ea typeface="Cambria Math" panose="02040503050406030204" pitchFamily="18" charset="0"/>
                             <a:sym typeface="Wingdings" panose="05000000000000000000" pitchFamily="2" charset="2"/>
@@ -24995,7 +24959,7 @@
                         <m:sSup>
                           <m:sSupPr>
                             <m:ctrlPr>
-                              <a:rPr lang="en-US" sz="6000" i="1">
+                              <a:rPr lang="en-US" sz="7200" i="1">
                                 <a:latin typeface="Cambria Math" panose="02040503050406030204" pitchFamily="18" charset="0"/>
                                 <a:ea typeface="Cambria Math" panose="02040503050406030204" pitchFamily="18" charset="0"/>
                               </a:rPr>
@@ -25003,7 +24967,7 @@
                           </m:sSupPr>
                           <m:e>
                             <m:r>
-                              <a:rPr lang="en-US" sz="6000" i="1">
+                              <a:rPr lang="en-US" sz="7200" i="1">
                                 <a:latin typeface="Cambria Math" panose="02040503050406030204" pitchFamily="18" charset="0"/>
                                 <a:ea typeface="Cambria Math" panose="02040503050406030204" pitchFamily="18" charset="0"/>
                               </a:rPr>
@@ -25012,7 +24976,7 @@
                           </m:e>
                           <m:sup>
                             <m:r>
-                              <a:rPr lang="en-US" sz="6000" i="1">
+                              <a:rPr lang="en-US" sz="7200" i="1">
                                 <a:latin typeface="Cambria Math" panose="02040503050406030204" pitchFamily="18" charset="0"/>
                                 <a:ea typeface="Cambria Math" panose="02040503050406030204" pitchFamily="18" charset="0"/>
                               </a:rPr>
@@ -25025,7 +24989,7 @@
                     <m:func>
                       <m:funcPr>
                         <m:ctrlPr>
-                          <a:rPr lang="en-US" sz="6000" i="1">
+                          <a:rPr lang="en-US" sz="7200" i="1">
                             <a:latin typeface="Cambria Math" panose="02040503050406030204" pitchFamily="18" charset="0"/>
                             <a:ea typeface="Cambria Math" panose="02040503050406030204" pitchFamily="18" charset="0"/>
                             <a:sym typeface="Wingdings" panose="05000000000000000000" pitchFamily="2" charset="2"/>
@@ -25037,7 +25001,7 @@
                           <m:rPr>
                             <m:sty m:val="p"/>
                           </m:rPr>
-                          <a:rPr lang="en-US" sz="6000">
+                          <a:rPr lang="en-US" sz="7200">
                             <a:latin typeface="Cambria Math" panose="02040503050406030204" pitchFamily="18" charset="0"/>
                             <a:sym typeface="Wingdings" panose="05000000000000000000" pitchFamily="2" charset="2"/>
                           </a:rPr>
@@ -25048,7 +25012,7 @@
                         <m:d>
                           <m:dPr>
                             <m:ctrlPr>
-                              <a:rPr lang="en-US" sz="6000" i="1">
+                              <a:rPr lang="en-US" sz="7200" i="1">
                                 <a:latin typeface="Cambria Math" panose="02040503050406030204" pitchFamily="18" charset="0"/>
                                 <a:sym typeface="Wingdings" panose="05000000000000000000" pitchFamily="2" charset="2"/>
                               </a:rPr>
@@ -25060,7 +25024,7 @@
                                 <m:begChr m:val="|"/>
                                 <m:endChr m:val="|"/>
                                 <m:ctrlPr>
-                                  <a:rPr lang="en-US" sz="6000" i="1">
+                                  <a:rPr lang="en-US" sz="7200" i="1">
                                     <a:latin typeface="Cambria Math" panose="02040503050406030204" pitchFamily="18" charset="0"/>
                                     <a:sym typeface="Wingdings" panose="05000000000000000000" pitchFamily="2" charset="2"/>
                                   </a:rPr>
@@ -25068,7 +25032,7 @@
                               </m:dPr>
                               <m:e>
                                 <m:r>
-                                  <a:rPr lang="en-US" sz="6000" i="1">
+                                  <a:rPr lang="en-US" sz="7200" i="1">
                                     <a:latin typeface="Cambria Math" panose="02040503050406030204" pitchFamily="18" charset="0"/>
                                     <a:sym typeface="Wingdings" panose="05000000000000000000" pitchFamily="2" charset="2"/>
                                   </a:rPr>
@@ -25077,7 +25041,7 @@
                               </m:e>
                             </m:d>
                             <m:r>
-                              <a:rPr lang="en-US" sz="6000" i="1">
+                              <a:rPr lang="en-US" sz="7200" i="1">
                                 <a:latin typeface="Cambria Math" panose="02040503050406030204" pitchFamily="18" charset="0"/>
                                 <a:sym typeface="Wingdings" panose="05000000000000000000" pitchFamily="2" charset="2"/>
                               </a:rPr>
@@ -25089,7 +25053,7 @@
                     </m:func>
                   </m:oMath>
                 </a14:m>
-                <a:endParaRPr lang="en-US" sz="6000" dirty="0">
+                <a:endParaRPr lang="en-US" sz="7200" dirty="0">
                   <a:solidFill>
                     <a:schemeClr val="accent1"/>
                   </a:solidFill>
@@ -25101,7 +25065,7 @@
                   <a:buNone/>
                 </a:pPr>
                 <a:r>
-                  <a:rPr lang="en-US" sz="6000" dirty="0">
+                  <a:rPr lang="en-US" sz="7200" dirty="0">
                     <a:solidFill>
                       <a:schemeClr val="accent1"/>
                     </a:solidFill>
@@ -25114,7 +25078,7 @@
                     <m:box>
                       <m:boxPr>
                         <m:ctrlPr>
-                          <a:rPr lang="en-US" sz="6000" b="0" i="1" smtClean="0">
+                          <a:rPr lang="en-US" sz="7200" b="0" i="1" smtClean="0">
                             <a:solidFill>
                               <a:schemeClr val="tx1"/>
                             </a:solidFill>
@@ -25131,7 +25095,7 @@
                         <m:f>
                           <m:fPr>
                             <m:ctrlPr>
-                              <a:rPr lang="en-US" sz="6000" b="0" i="1" smtClean="0">
+                              <a:rPr lang="en-US" sz="7200" b="0" i="1" smtClean="0">
                                 <a:solidFill>
                                   <a:schemeClr val="tx1"/>
                                 </a:solidFill>
@@ -25147,7 +25111,7 @@
                                 <m:begChr m:val="|"/>
                                 <m:endChr m:val="|"/>
                                 <m:ctrlPr>
-                                  <a:rPr lang="en-US" sz="6000" i="1">
+                                  <a:rPr lang="en-US" sz="7200" i="1">
                                     <a:latin typeface="Cambria Math" panose="02040503050406030204" pitchFamily="18" charset="0"/>
                                     <a:ea typeface="Cambria Math" panose="02040503050406030204" pitchFamily="18" charset="0"/>
                                     <a:sym typeface="Wingdings" panose="05000000000000000000" pitchFamily="2" charset="2"/>
@@ -25156,7 +25120,7 @@
                               </m:dPr>
                               <m:e>
                                 <m:r>
-                                  <a:rPr lang="en-US" sz="6000" i="1">
+                                  <a:rPr lang="en-US" sz="7200" i="1">
                                     <a:latin typeface="Cambria Math" panose="02040503050406030204" pitchFamily="18" charset="0"/>
                                     <a:ea typeface="Cambria Math" panose="02040503050406030204" pitchFamily="18" charset="0"/>
                                   </a:rPr>
@@ -25171,7 +25135,7 @@
                                 <m:begChr m:val="|"/>
                                 <m:endChr m:val="|"/>
                                 <m:ctrlPr>
-                                  <a:rPr lang="en-US" sz="6000" i="1">
+                                  <a:rPr lang="en-US" sz="7200" i="1">
                                     <a:latin typeface="Cambria Math" panose="02040503050406030204" pitchFamily="18" charset="0"/>
                                     <a:ea typeface="Cambria Math" panose="02040503050406030204" pitchFamily="18" charset="0"/>
                                     <a:sym typeface="Wingdings" panose="05000000000000000000" pitchFamily="2" charset="2"/>
@@ -25182,7 +25146,7 @@
                                 <m:sSup>
                                   <m:sSupPr>
                                     <m:ctrlPr>
-                                      <a:rPr lang="en-US" sz="6000" i="1">
+                                      <a:rPr lang="en-US" sz="7200" i="1">
                                         <a:latin typeface="Cambria Math" panose="02040503050406030204" pitchFamily="18" charset="0"/>
                                         <a:ea typeface="Cambria Math" panose="02040503050406030204" pitchFamily="18" charset="0"/>
                                       </a:rPr>
@@ -25190,7 +25154,7 @@
                                   </m:sSupPr>
                                   <m:e>
                                     <m:r>
-                                      <a:rPr lang="en-US" sz="6000" i="1">
+                                      <a:rPr lang="en-US" sz="7200" i="1">
                                         <a:latin typeface="Cambria Math" panose="02040503050406030204" pitchFamily="18" charset="0"/>
                                         <a:ea typeface="Cambria Math" panose="02040503050406030204" pitchFamily="18" charset="0"/>
                                       </a:rPr>
@@ -25199,7 +25163,7 @@
                                   </m:e>
                                   <m:sup>
                                     <m:r>
-                                      <a:rPr lang="en-US" sz="6000" i="1">
+                                      <a:rPr lang="en-US" sz="7200" i="1">
                                         <a:latin typeface="Cambria Math" panose="02040503050406030204" pitchFamily="18" charset="0"/>
                                         <a:ea typeface="Cambria Math" panose="02040503050406030204" pitchFamily="18" charset="0"/>
                                       </a:rPr>
@@ -25214,7 +25178,7 @@
                       </m:e>
                     </m:box>
                     <m:r>
-                      <a:rPr lang="en-US" sz="6000" b="0" i="0" smtClean="0">
+                      <a:rPr lang="en-US" sz="7200" b="0" i="0" smtClean="0">
                         <a:solidFill>
                           <a:schemeClr val="tx1"/>
                         </a:solidFill>
@@ -25227,7 +25191,7 @@
                     <m:func>
                       <m:funcPr>
                         <m:ctrlPr>
-                          <a:rPr lang="en-US" sz="6000" i="1">
+                          <a:rPr lang="en-US" sz="7200" i="1">
                             <a:latin typeface="Cambria Math" panose="02040503050406030204" pitchFamily="18" charset="0"/>
                             <a:ea typeface="Cambria Math" panose="02040503050406030204" pitchFamily="18" charset="0"/>
                             <a:sym typeface="Wingdings" panose="05000000000000000000" pitchFamily="2" charset="2"/>
@@ -25239,7 +25203,7 @@
                           <m:rPr>
                             <m:sty m:val="p"/>
                           </m:rPr>
-                          <a:rPr lang="en-US" sz="6000">
+                          <a:rPr lang="en-US" sz="7200">
                             <a:latin typeface="Cambria Math" panose="02040503050406030204" pitchFamily="18" charset="0"/>
                             <a:sym typeface="Wingdings" panose="05000000000000000000" pitchFamily="2" charset="2"/>
                           </a:rPr>
@@ -25250,7 +25214,7 @@
                         <m:d>
                           <m:dPr>
                             <m:ctrlPr>
-                              <a:rPr lang="en-US" sz="6000" i="1">
+                              <a:rPr lang="en-US" sz="7200" i="1">
                                 <a:latin typeface="Cambria Math" panose="02040503050406030204" pitchFamily="18" charset="0"/>
                                 <a:sym typeface="Wingdings" panose="05000000000000000000" pitchFamily="2" charset="2"/>
                               </a:rPr>
@@ -25262,7 +25226,7 @@
                                 <m:begChr m:val="|"/>
                                 <m:endChr m:val="|"/>
                                 <m:ctrlPr>
-                                  <a:rPr lang="en-US" sz="6000" i="1">
+                                  <a:rPr lang="en-US" sz="7200" i="1">
                                     <a:latin typeface="Cambria Math" panose="02040503050406030204" pitchFamily="18" charset="0"/>
                                     <a:sym typeface="Wingdings" panose="05000000000000000000" pitchFamily="2" charset="2"/>
                                   </a:rPr>
@@ -25270,7 +25234,7 @@
                               </m:dPr>
                               <m:e>
                                 <m:r>
-                                  <a:rPr lang="en-US" sz="6000" i="1">
+                                  <a:rPr lang="en-US" sz="7200" i="1">
                                     <a:latin typeface="Cambria Math" panose="02040503050406030204" pitchFamily="18" charset="0"/>
                                     <a:sym typeface="Wingdings" panose="05000000000000000000" pitchFamily="2" charset="2"/>
                                   </a:rPr>
@@ -25279,7 +25243,7 @@
                               </m:e>
                             </m:d>
                             <m:r>
-                              <a:rPr lang="en-US" sz="6000" i="1">
+                              <a:rPr lang="en-US" sz="7200" i="1">
                                 <a:latin typeface="Cambria Math" panose="02040503050406030204" pitchFamily="18" charset="0"/>
                                 <a:sym typeface="Wingdings" panose="05000000000000000000" pitchFamily="2" charset="2"/>
                               </a:rPr>
@@ -25288,14 +25252,14 @@
                           </m:e>
                         </m:d>
                         <m:r>
-                          <a:rPr lang="en-US" sz="6000" b="0" i="1" smtClean="0">
+                          <a:rPr lang="en-US" sz="7200" b="0" i="1" smtClean="0">
                             <a:latin typeface="Cambria Math" panose="02040503050406030204" pitchFamily="18" charset="0"/>
                             <a:sym typeface="Wingdings" panose="05000000000000000000" pitchFamily="2" charset="2"/>
                           </a:rPr>
                           <m:t>= </m:t>
                         </m:r>
                         <m:r>
-                          <a:rPr lang="en-US" sz="6000" b="0" i="1" smtClean="0">
+                          <a:rPr lang="en-US" sz="7200" b="0" i="1" smtClean="0">
                             <a:latin typeface="Cambria Math" panose="02040503050406030204" pitchFamily="18" charset="0"/>
                             <a:ea typeface="Cambria Math" panose="02040503050406030204" pitchFamily="18" charset="0"/>
                             <a:sym typeface="Wingdings" panose="05000000000000000000" pitchFamily="2" charset="2"/>
@@ -25303,7 +25267,7 @@
                           <m:t>𝜌</m:t>
                         </m:r>
                         <m:r>
-                          <a:rPr lang="en-US" sz="6000" b="0" i="1" smtClean="0">
+                          <a:rPr lang="en-US" sz="7200" b="0" i="1" smtClean="0">
                             <a:latin typeface="Cambria Math" panose="02040503050406030204" pitchFamily="18" charset="0"/>
                             <a:ea typeface="Cambria Math" panose="02040503050406030204" pitchFamily="18" charset="0"/>
                             <a:sym typeface="Wingdings" panose="05000000000000000000" pitchFamily="2" charset="2"/>
@@ -25315,7 +25279,7 @@
                             <m:begChr m:val="|"/>
                             <m:endChr m:val="|"/>
                             <m:ctrlPr>
-                              <a:rPr lang="en-US" sz="6000" b="0" i="1" smtClean="0">
+                              <a:rPr lang="en-US" sz="7200" b="0" i="1" smtClean="0">
                                 <a:latin typeface="Cambria Math" panose="02040503050406030204" pitchFamily="18" charset="0"/>
                                 <a:ea typeface="Cambria Math" panose="02040503050406030204" pitchFamily="18" charset="0"/>
                                 <a:sym typeface="Wingdings" panose="05000000000000000000" pitchFamily="2" charset="2"/>
@@ -25324,7 +25288,7 @@
                           </m:dPr>
                           <m:e>
                             <m:r>
-                              <a:rPr lang="en-US" sz="6000" b="0" i="1" smtClean="0">
+                              <a:rPr lang="en-US" sz="7200" b="0" i="1" smtClean="0">
                                 <a:latin typeface="Cambria Math" panose="02040503050406030204" pitchFamily="18" charset="0"/>
                                 <a:ea typeface="Cambria Math" panose="02040503050406030204" pitchFamily="18" charset="0"/>
                                 <a:sym typeface="Wingdings" panose="05000000000000000000" pitchFamily="2" charset="2"/>
@@ -25334,7 +25298,7 @@
                           </m:e>
                         </m:d>
                         <m:r>
-                          <a:rPr lang="en-US" sz="6000" b="0" i="1" smtClean="0">
+                          <a:rPr lang="en-US" sz="7200" b="0" i="1" smtClean="0">
                             <a:latin typeface="Cambria Math" panose="02040503050406030204" pitchFamily="18" charset="0"/>
                             <a:ea typeface="Cambria Math" panose="02040503050406030204" pitchFamily="18" charset="0"/>
                             <a:sym typeface="Wingdings" panose="05000000000000000000" pitchFamily="2" charset="2"/>
@@ -25346,16 +25310,16 @@
                   </m:oMath>
                 </a14:m>
                 <a:r>
-                  <a:rPr lang="en-US" sz="6000" dirty="0">
+                  <a:rPr lang="en-US" sz="7200" dirty="0">
                     <a:solidFill>
                       <a:schemeClr val="accent1"/>
                     </a:solidFill>
                     <a:sym typeface="Wingdings" panose="05000000000000000000" pitchFamily="2" charset="2"/>
                   </a:rPr>
-                  <a:t>. </a:t>
-                </a:r>
-                <a:r>
-                  <a:rPr lang="en-US" sz="6000" dirty="0">
+                  <a:t>.		 </a:t>
+                </a:r>
+                <a:r>
+                  <a:rPr lang="en-US" sz="7200" dirty="0">
                     <a:solidFill>
                       <a:schemeClr val="accent1"/>
                     </a:solidFill>
@@ -25363,7 +25327,7 @@
                   <a:t>[</a:t>
                 </a:r>
                 <a:r>
-                  <a:rPr lang="en-US" sz="6000" b="1" i="1" dirty="0">
+                  <a:rPr lang="en-US" sz="7200" b="1" i="1" dirty="0">
                     <a:solidFill>
                       <a:srgbClr val="FF0000"/>
                     </a:solidFill>
@@ -25371,20 +25335,20 @@
                   <a:t>Minimization Problem</a:t>
                 </a:r>
                 <a:r>
-                  <a:rPr lang="en-US" sz="6000" dirty="0">
+                  <a:rPr lang="en-US" sz="7200" dirty="0">
                     <a:solidFill>
                       <a:schemeClr val="accent1"/>
                     </a:solidFill>
                   </a:rPr>
                   <a:t>]</a:t>
                 </a:r>
-                <a:endParaRPr lang="en-US" sz="6000" dirty="0"/>
+                <a:endParaRPr lang="en-US" sz="7200" dirty="0"/>
               </a:p>
               <a:p>
                 <a:pPr marL="0" indent="0">
                   <a:buNone/>
                 </a:pPr>
-                <a:endParaRPr lang="en-US" sz="6000" dirty="0">
+                <a:endParaRPr lang="en-US" sz="7200" dirty="0">
                   <a:solidFill>
                     <a:schemeClr val="accent1"/>
                   </a:solidFill>
@@ -25396,7 +25360,7 @@
                   <a:buNone/>
                 </a:pPr>
                 <a:r>
-                  <a:rPr lang="en-US" sz="6000" dirty="0">
+                  <a:rPr lang="en-US" sz="7200" dirty="0">
                     <a:solidFill>
                       <a:schemeClr val="accent1"/>
                     </a:solidFill>
@@ -25407,31 +25371,31 @@
                 <a14:m>
                   <m:oMath xmlns:m="http://schemas.openxmlformats.org/officeDocument/2006/math">
                     <m:r>
-                      <a:rPr lang="en-US" sz="6000" i="1">
+                      <a:rPr lang="en-US" sz="7200" i="1">
                         <a:latin typeface="Cambria Math" panose="02040503050406030204" pitchFamily="18" charset="0"/>
                       </a:rPr>
                       <m:t>𝐴𝑝𝑝𝑟𝑜𝑥</m:t>
                     </m:r>
                     <m:r>
-                      <a:rPr lang="en-US" sz="6000" i="1">
+                      <a:rPr lang="en-US" sz="7200" i="1">
                         <a:latin typeface="Cambria Math" panose="02040503050406030204" pitchFamily="18" charset="0"/>
                       </a:rPr>
                       <m:t>−</m:t>
                     </m:r>
                     <m:r>
-                      <a:rPr lang="en-US" sz="6000" i="1">
+                      <a:rPr lang="en-US" sz="7200" i="1">
                         <a:latin typeface="Cambria Math" panose="02040503050406030204" pitchFamily="18" charset="0"/>
                       </a:rPr>
                       <m:t>𝑆𝑒𝑡</m:t>
                     </m:r>
                     <m:r>
-                      <a:rPr lang="en-US" sz="6000" i="1">
+                      <a:rPr lang="en-US" sz="7200" i="1">
                         <a:latin typeface="Cambria Math" panose="02040503050406030204" pitchFamily="18" charset="0"/>
                       </a:rPr>
                       <m:t>−</m:t>
                     </m:r>
                     <m:r>
-                      <a:rPr lang="en-US" sz="6000" i="1">
+                      <a:rPr lang="en-US" sz="7200" i="1">
                         <a:latin typeface="Cambria Math" panose="02040503050406030204" pitchFamily="18" charset="0"/>
                       </a:rPr>
                       <m:t>𝐶𝑜𝑣𝑒𝑟</m:t>
@@ -25439,7 +25403,7 @@
                   </m:oMath>
                 </a14:m>
                 <a:r>
-                  <a:rPr lang="en-US" sz="6000" dirty="0">
+                  <a:rPr lang="en-US" sz="7200" dirty="0">
                     <a:solidFill>
                       <a:srgbClr val="FF0000"/>
                     </a:solidFill>
@@ -25447,7 +25411,7 @@
                   <a:t> </a:t>
                 </a:r>
                 <a:r>
-                  <a:rPr lang="en-US" sz="6000" dirty="0">
+                  <a:rPr lang="en-US" sz="7200" dirty="0">
                     <a:solidFill>
                       <a:schemeClr val="accent1"/>
                     </a:solidFill>
@@ -25459,14 +25423,14 @@
                     <m:func>
                       <m:funcPr>
                         <m:ctrlPr>
-                          <a:rPr lang="en-US" sz="6000" i="1">
+                          <a:rPr lang="en-US" sz="7200" i="1">
                             <a:latin typeface="Cambria Math" panose="02040503050406030204" pitchFamily="18" charset="0"/>
                           </a:rPr>
                         </m:ctrlPr>
                       </m:funcPr>
                       <m:fName>
                         <m:r>
-                          <a:rPr lang="en-US" sz="6000" i="1">
+                          <a:rPr lang="en-US" sz="7200" i="1">
                             <a:latin typeface="Cambria Math" panose="02040503050406030204" pitchFamily="18" charset="0"/>
                           </a:rPr>
                           <m:t>𝑙𝑛</m:t>
@@ -25476,7 +25440,7 @@
                         <m:d>
                           <m:dPr>
                             <m:ctrlPr>
-                              <a:rPr lang="en-US" sz="6000" i="1">
+                              <a:rPr lang="en-US" sz="7200" i="1">
                                 <a:latin typeface="Cambria Math" panose="02040503050406030204" pitchFamily="18" charset="0"/>
                               </a:rPr>
                             </m:ctrlPr>
@@ -25487,14 +25451,14 @@
                                 <m:begChr m:val="|"/>
                                 <m:endChr m:val="|"/>
                                 <m:ctrlPr>
-                                  <a:rPr lang="en-US" sz="6000" i="1">
+                                  <a:rPr lang="en-US" sz="7200" i="1">
                                     <a:latin typeface="Cambria Math" panose="02040503050406030204" pitchFamily="18" charset="0"/>
                                   </a:rPr>
                                 </m:ctrlPr>
                               </m:dPr>
                               <m:e>
                                 <m:r>
-                                  <a:rPr lang="en-US" sz="6000" i="1">
+                                  <a:rPr lang="en-US" sz="7200" i="1">
                                     <a:latin typeface="Cambria Math" panose="02040503050406030204" pitchFamily="18" charset="0"/>
                                   </a:rPr>
                                   <m:t>𝑋</m:t>
@@ -25502,7 +25466,7 @@
                               </m:e>
                             </m:d>
                             <m:r>
-                              <a:rPr lang="en-US" sz="6000" i="1">
+                              <a:rPr lang="en-US" sz="7200" i="1">
                                 <a:latin typeface="Cambria Math" panose="02040503050406030204" pitchFamily="18" charset="0"/>
                               </a:rPr>
                               <m:t>+1</m:t>
@@ -25514,7 +25478,7 @@
                   </m:oMath>
                 </a14:m>
                 <a:r>
-                  <a:rPr lang="en-US" sz="6000" dirty="0">
+                  <a:rPr lang="en-US" sz="7200" dirty="0">
                     <a:solidFill>
                       <a:schemeClr val="accent1"/>
                     </a:solidFill>
@@ -25522,7 +25486,7 @@
                   <a:t>-approximation algorithm</a:t>
                 </a:r>
                 <a:r>
-                  <a:rPr lang="en-US" sz="6000" i="1" dirty="0">
+                  <a:rPr lang="en-US" sz="7200" i="1" dirty="0">
                     <a:solidFill>
                       <a:schemeClr val="accent1"/>
                     </a:solidFill>
@@ -25532,7 +25496,7 @@
                 <a14:m>
                   <m:oMath xmlns:m="http://schemas.openxmlformats.org/officeDocument/2006/math">
                     <m:r>
-                      <a:rPr lang="en-US" sz="6000" i="1" dirty="0">
+                      <a:rPr lang="en-US" sz="7200" i="1" dirty="0">
                         <a:latin typeface="Cambria Math" panose="02040503050406030204" pitchFamily="18" charset="0"/>
                         <a:ea typeface="Cambria Math" panose="02040503050406030204" pitchFamily="18" charset="0"/>
                       </a:rPr>
@@ -25540,7 +25504,7 @@
                     </m:r>
                   </m:oMath>
                 </a14:m>
-                <a:endParaRPr lang="en-US" sz="6000" dirty="0">
+                <a:endParaRPr lang="en-US" sz="7200" dirty="0">
                   <a:solidFill>
                     <a:schemeClr val="accent1"/>
                   </a:solidFill>
@@ -25612,7 +25576,7 @@
               <a:blipFill>
                 <a:blip r:embed="rId2"/>
                 <a:stretch>
-                  <a:fillRect l="-232" t="-1541"/>
+                  <a:fillRect l="-522" t="-2241" b="-5322"/>
                 </a:stretch>
               </a:blipFill>
             </p:spPr>
